--- a/defense/后端答辩.pptx
+++ b/defense/后端答辩.pptx
@@ -261,7 +261,7 @@
               <a:pPr>
                 <a:defRPr/>
               </a:pPr>
-              <a:t>2019/8/29</a:t>
+              <a:t>2019/8/25</a:t>
             </a:fld>
             <a:endParaRPr lang="zh-CN" altLang="en-US"/>
           </a:p>
@@ -1861,7 +1861,7 @@
               <a:pPr>
                 <a:defRPr/>
               </a:pPr>
-              <a:t>2019/8/29</a:t>
+              <a:t>2019/8/25</a:t>
             </a:fld>
             <a:endParaRPr lang="zh-CN" altLang="en-US"/>
           </a:p>
@@ -1968,7 +1968,7 @@
           <a:p>
             <a:fld id="{3BED4874-415F-4462-8CBD-90FA9588F106}" type="datetimeFigureOut">
               <a:rPr lang="zh-CN" altLang="en-US" smtClean="0"/>
-              <a:t>2019/8/29</a:t>
+              <a:t>2019/8/25</a:t>
             </a:fld>
             <a:endParaRPr lang="zh-CN" altLang="en-US"/>
           </a:p>
@@ -2793,7 +2793,7 @@
               <a:pPr>
                 <a:defRPr/>
               </a:pPr>
-              <a:t>2019/8/29</a:t>
+              <a:t>2019/8/25</a:t>
             </a:fld>
             <a:endParaRPr lang="zh-CN" altLang="en-US"/>
           </a:p>
@@ -3469,7 +3469,7 @@
           <a:p>
             <a:fld id="{3BED4874-415F-4462-8CBD-90FA9588F106}" type="datetimeFigureOut">
               <a:rPr lang="zh-CN" altLang="en-US" smtClean="0"/>
-              <a:t>2019/8/29</a:t>
+              <a:t>2019/8/25</a:t>
             </a:fld>
             <a:endParaRPr lang="zh-CN" altLang="en-US"/>
           </a:p>
@@ -5199,53 +5199,6 @@
           </a:p>
         </p:txBody>
       </p:sp>
-      <p:sp>
-        <p:nvSpPr>
-          <p:cNvPr id="2" name="文本框 1">
-            <a:extLst>
-              <a:ext uri="{FF2B5EF4-FFF2-40B4-BE49-F238E27FC236}">
-                <a16:creationId xmlns:a16="http://schemas.microsoft.com/office/drawing/2014/main" id="{F490EB4D-28DD-4CEB-8959-F61579E6FA8D}"/>
-              </a:ext>
-            </a:extLst>
-          </p:cNvPr>
-          <p:cNvSpPr txBox="1"/>
-          <p:nvPr/>
-        </p:nvSpPr>
-        <p:spPr>
-          <a:xfrm>
-            <a:off x="9380909" y="4036354"/>
-            <a:ext cx="4389219" cy="400110"/>
-          </a:xfrm>
-          <a:prstGeom prst="rect">
-            <a:avLst/>
-          </a:prstGeom>
-          <a:noFill/>
-        </p:spPr>
-        <p:txBody>
-          <a:bodyPr wrap="square" rtlCol="0">
-            <a:spAutoFit/>
-          </a:bodyPr>
-          <a:lstStyle/>
-          <a:p>
-            <a:r>
-              <a:rPr lang="zh-CN" altLang="en-US" sz="2000" b="1" dirty="0"/>
-              <a:t>基于</a:t>
-            </a:r>
-            <a:r>
-              <a:rPr lang="en-US" altLang="zh-CN" sz="2000" b="1" dirty="0"/>
-              <a:t>node.js/</a:t>
-            </a:r>
-            <a:r>
-              <a:rPr lang="en-US" altLang="zh-CN" sz="2000" b="1" dirty="0" err="1"/>
-              <a:t>koa</a:t>
-            </a:r>
-            <a:r>
-              <a:rPr lang="zh-CN" altLang="en-US" sz="2000" b="1" dirty="0"/>
-              <a:t>实现</a:t>
-            </a:r>
-          </a:p>
-        </p:txBody>
-      </p:sp>
     </p:spTree>
   </p:cSld>
   <p:clrMapOvr>
@@ -5259,8 +5212,8 @@
       <p:transition advTm="0"/>
     </mc:Fallback>
   </mc:AlternateContent>
-  <mc:AlternateContent xmlns:mc="http://schemas.openxmlformats.org/markup-compatibility/2006" xmlns:p14="http://schemas.microsoft.com/office/powerpoint/2010/main">
-    <mc:Choice Requires="p14">
+  <mc:AlternateContent xmlns:mc="http://schemas.openxmlformats.org/markup-compatibility/2006">
+    <mc:Choice xmlns:p14="http://schemas.microsoft.com/office/powerpoint/2010/main" Requires="p14">
       <p:timing>
         <p:tnLst>
           <p:par>
@@ -6021,7 +5974,7 @@
         </p:bldLst>
       </p:timing>
     </mc:Choice>
-    <mc:Fallback xmlns="">
+    <mc:Fallback>
       <p:timing>
         <p:tnLst>
           <p:par>
@@ -7014,13 +6967,13 @@
   <p:clrMapOvr>
     <a:masterClrMapping/>
   </p:clrMapOvr>
-  <mc:AlternateContent xmlns:mc="http://schemas.openxmlformats.org/markup-compatibility/2006" xmlns:p14="http://schemas.microsoft.com/office/powerpoint/2010/main">
-    <mc:Choice Requires="p14">
+  <mc:AlternateContent xmlns:mc="http://schemas.openxmlformats.org/markup-compatibility/2006">
+    <mc:Choice xmlns:p14="http://schemas.microsoft.com/office/powerpoint/2010/main" Requires="p14">
       <p:transition spd="slow" p14:dur="1200" advTm="0">
         <p14:prism/>
       </p:transition>
     </mc:Choice>
-    <mc:Fallback xmlns="">
+    <mc:Fallback>
       <p:transition spd="slow" advTm="0">
         <p:fade/>
       </p:transition>
@@ -7289,13 +7242,13 @@
   <p:clrMapOvr>
     <a:masterClrMapping/>
   </p:clrMapOvr>
-  <mc:AlternateContent xmlns:mc="http://schemas.openxmlformats.org/markup-compatibility/2006" xmlns:p14="http://schemas.microsoft.com/office/powerpoint/2010/main">
-    <mc:Choice Requires="p14">
+  <mc:AlternateContent xmlns:mc="http://schemas.openxmlformats.org/markup-compatibility/2006">
+    <mc:Choice xmlns:p14="http://schemas.microsoft.com/office/powerpoint/2010/main" Requires="p14">
       <p:transition spd="slow" p14:dur="1200" advTm="0">
         <p14:prism/>
       </p:transition>
     </mc:Choice>
-    <mc:Fallback xmlns="">
+    <mc:Fallback>
       <p:transition spd="slow" advTm="0">
         <p:fade/>
       </p:transition>
@@ -8119,8 +8072,8 @@
         </p:nvSpPr>
         <p:spPr>
           <a:xfrm>
-            <a:off x="2252117" y="1538833"/>
-            <a:ext cx="9073008" cy="5386090"/>
+            <a:off x="2252117" y="1766758"/>
+            <a:ext cx="9073008" cy="4154984"/>
           </a:xfrm>
           <a:prstGeom prst="rect">
             <a:avLst/>
@@ -8255,41 +8208,7 @@
           </a:p>
           <a:p>
             <a:r>
-              <a:rPr lang="en-US" altLang="zh-CN" sz="4000" b="1" dirty="0"/>
-              <a:t>·   </a:t>
-            </a:r>
-            <a:r>
-              <a:rPr lang="zh-CN" altLang="en-US" sz="3200" dirty="0">
-                <a:latin typeface="华文新魏" panose="02010800040101010101" pitchFamily="2" charset="-122"/>
-                <a:ea typeface="华文新魏" panose="02010800040101010101" pitchFamily="2" charset="-122"/>
-              </a:rPr>
-              <a:t>使用</a:t>
-            </a:r>
-            <a:r>
-              <a:rPr lang="en-US" altLang="zh-CN" sz="3200" dirty="0" err="1">
-                <a:latin typeface="华文新魏" panose="02010800040101010101" pitchFamily="2" charset="-122"/>
-                <a:ea typeface="华文新魏" panose="02010800040101010101" pitchFamily="2" charset="-122"/>
-              </a:rPr>
-              <a:t>mysql</a:t>
-            </a:r>
-            <a:r>
-              <a:rPr lang="zh-CN" altLang="en-US" sz="3200" dirty="0">
-                <a:latin typeface="华文新魏" panose="02010800040101010101" pitchFamily="2" charset="-122"/>
-                <a:ea typeface="华文新魏" panose="02010800040101010101" pitchFamily="2" charset="-122"/>
-              </a:rPr>
-              <a:t>进行数据持久化</a:t>
-            </a:r>
-            <a:endParaRPr lang="en-US" altLang="zh-CN" sz="3200" dirty="0">
-              <a:latin typeface="华文新魏" panose="02010800040101010101" pitchFamily="2" charset="-122"/>
-              <a:ea typeface="华文新魏" panose="02010800040101010101" pitchFamily="2" charset="-122"/>
-            </a:endParaRPr>
-          </a:p>
-          <a:p>
-            <a:r>
-              <a:rPr lang="en-US" altLang="zh-CN" sz="3200" dirty="0">
-                <a:latin typeface="华文新魏" panose="02010800040101010101" pitchFamily="2" charset="-122"/>
-                <a:ea typeface="华文新魏" panose="02010800040101010101" pitchFamily="2" charset="-122"/>
-              </a:rPr>
+              <a:rPr lang="en-US" altLang="zh-CN" sz="2400" dirty="0"/>
               <a:t>	</a:t>
             </a:r>
             <a:r>
@@ -8305,12 +8224,6 @@
               <a:t>分钟进行一次数据库与缓存的同步</a:t>
             </a:r>
             <a:endParaRPr lang="en-US" altLang="zh-CN" sz="2400" dirty="0"/>
-          </a:p>
-          <a:p>
-            <a:endParaRPr lang="en-US" altLang="zh-CN" sz="3200" dirty="0">
-              <a:latin typeface="华文新魏" panose="02010800040101010101" pitchFamily="2" charset="-122"/>
-              <a:ea typeface="华文新魏" panose="02010800040101010101" pitchFamily="2" charset="-122"/>
-            </a:endParaRPr>
           </a:p>
         </p:txBody>
       </p:sp>
@@ -8536,6 +8449,1150 @@
           </a:p>
         </p:txBody>
       </p:sp>
+      <p:grpSp>
+        <p:nvGrpSpPr>
+          <p:cNvPr id="55" name="组合 54">
+            <a:extLst>
+              <a:ext uri="{FF2B5EF4-FFF2-40B4-BE49-F238E27FC236}">
+                <a16:creationId xmlns:a16="http://schemas.microsoft.com/office/drawing/2014/main" id="{EFBDF8D1-1FB3-4AAF-BDDD-013EC0BE78BC}"/>
+              </a:ext>
+            </a:extLst>
+          </p:cNvPr>
+          <p:cNvGrpSpPr/>
+          <p:nvPr/>
+        </p:nvGrpSpPr>
+        <p:grpSpPr>
+          <a:xfrm>
+            <a:off x="4736377" y="1588011"/>
+            <a:ext cx="5256584" cy="6460327"/>
+            <a:chOff x="4700389" y="1233964"/>
+            <a:chExt cx="5256584" cy="6460327"/>
+          </a:xfrm>
+        </p:grpSpPr>
+        <p:sp>
+          <p:nvSpPr>
+            <p:cNvPr id="4" name="矩形 3">
+              <a:extLst>
+                <a:ext uri="{FF2B5EF4-FFF2-40B4-BE49-F238E27FC236}">
+                  <a16:creationId xmlns:a16="http://schemas.microsoft.com/office/drawing/2014/main" id="{3EFCFF71-8F9B-417B-83E5-14703F3D2345}"/>
+                </a:ext>
+              </a:extLst>
+            </p:cNvPr>
+            <p:cNvSpPr/>
+            <p:nvPr/>
+          </p:nvSpPr>
+          <p:spPr>
+            <a:xfrm>
+              <a:off x="5492477" y="1233964"/>
+              <a:ext cx="3744416" cy="936104"/>
+            </a:xfrm>
+            <a:prstGeom prst="rect">
+              <a:avLst/>
+            </a:prstGeom>
+            <a:solidFill>
+              <a:srgbClr val="FFC000"/>
+            </a:solidFill>
+          </p:spPr>
+          <p:style>
+            <a:lnRef idx="2">
+              <a:schemeClr val="accent1">
+                <a:shade val="50000"/>
+              </a:schemeClr>
+            </a:lnRef>
+            <a:fillRef idx="1">
+              <a:schemeClr val="accent1"/>
+            </a:fillRef>
+            <a:effectRef idx="0">
+              <a:schemeClr val="accent1"/>
+            </a:effectRef>
+            <a:fontRef idx="minor">
+              <a:schemeClr val="lt1"/>
+            </a:fontRef>
+          </p:style>
+          <p:txBody>
+            <a:bodyPr rtlCol="0" anchor="ctr"/>
+            <a:lstStyle/>
+            <a:p>
+              <a:pPr algn="ctr"/>
+              <a:endParaRPr lang="zh-CN" altLang="en-US">
+                <a:solidFill>
+                  <a:srgbClr val="FFC000"/>
+                </a:solidFill>
+              </a:endParaRPr>
+            </a:p>
+          </p:txBody>
+        </p:sp>
+        <p:sp>
+          <p:nvSpPr>
+            <p:cNvPr id="5" name="文本框 4">
+              <a:extLst>
+                <a:ext uri="{FF2B5EF4-FFF2-40B4-BE49-F238E27FC236}">
+                  <a16:creationId xmlns:a16="http://schemas.microsoft.com/office/drawing/2014/main" id="{C94317FA-7ACA-41DF-BBC1-AA3F34FF4287}"/>
+                </a:ext>
+              </a:extLst>
+            </p:cNvPr>
+            <p:cNvSpPr txBox="1"/>
+            <p:nvPr/>
+          </p:nvSpPr>
+          <p:spPr>
+            <a:xfrm>
+              <a:off x="6068541" y="1378850"/>
+              <a:ext cx="3744416" cy="646331"/>
+            </a:xfrm>
+            <a:prstGeom prst="rect">
+              <a:avLst/>
+            </a:prstGeom>
+            <a:noFill/>
+          </p:spPr>
+          <p:txBody>
+            <a:bodyPr wrap="square" rtlCol="0">
+              <a:spAutoFit/>
+            </a:bodyPr>
+            <a:lstStyle/>
+            <a:p>
+              <a:r>
+                <a:rPr lang="en-US" altLang="zh-CN" sz="3600" dirty="0"/>
+                <a:t>Client(react.js)</a:t>
+              </a:r>
+              <a:endParaRPr lang="zh-CN" altLang="en-US" sz="3600" dirty="0"/>
+            </a:p>
+          </p:txBody>
+        </p:sp>
+        <p:cxnSp>
+          <p:nvCxnSpPr>
+            <p:cNvPr id="7" name="直接连接符 6">
+              <a:extLst>
+                <a:ext uri="{FF2B5EF4-FFF2-40B4-BE49-F238E27FC236}">
+                  <a16:creationId xmlns:a16="http://schemas.microsoft.com/office/drawing/2014/main" id="{AC2FBDCC-D4BC-488E-8315-923633C29D1F}"/>
+                </a:ext>
+              </a:extLst>
+            </p:cNvPr>
+            <p:cNvCxnSpPr>
+              <a:cxnSpLocks/>
+            </p:cNvCxnSpPr>
+            <p:nvPr/>
+          </p:nvCxnSpPr>
+          <p:spPr>
+            <a:xfrm>
+              <a:off x="4988421" y="2896245"/>
+              <a:ext cx="4464496" cy="0"/>
+            </a:xfrm>
+            <a:prstGeom prst="line">
+              <a:avLst/>
+            </a:prstGeom>
+            <a:ln w="28575" cap="flat" cmpd="sng" algn="ctr">
+              <a:solidFill>
+                <a:schemeClr val="accent4"/>
+              </a:solidFill>
+              <a:prstDash val="dash"/>
+              <a:round/>
+              <a:headEnd type="none" w="med" len="med"/>
+              <a:tailEnd type="none" w="med" len="med"/>
+            </a:ln>
+          </p:spPr>
+          <p:style>
+            <a:lnRef idx="0">
+              <a:scrgbClr r="0" g="0" b="0"/>
+            </a:lnRef>
+            <a:fillRef idx="0">
+              <a:scrgbClr r="0" g="0" b="0"/>
+            </a:fillRef>
+            <a:effectRef idx="0">
+              <a:scrgbClr r="0" g="0" b="0"/>
+            </a:effectRef>
+            <a:fontRef idx="minor">
+              <a:schemeClr val="tx1"/>
+            </a:fontRef>
+          </p:style>
+        </p:cxnSp>
+        <p:cxnSp>
+          <p:nvCxnSpPr>
+            <p:cNvPr id="10" name="直接箭头连接符 9">
+              <a:extLst>
+                <a:ext uri="{FF2B5EF4-FFF2-40B4-BE49-F238E27FC236}">
+                  <a16:creationId xmlns:a16="http://schemas.microsoft.com/office/drawing/2014/main" id="{B76BB70A-A4AB-4A07-99BE-39FC4E1C1D08}"/>
+                </a:ext>
+              </a:extLst>
+            </p:cNvPr>
+            <p:cNvCxnSpPr/>
+            <p:nvPr/>
+          </p:nvCxnSpPr>
+          <p:spPr>
+            <a:xfrm>
+              <a:off x="5852517" y="2170068"/>
+              <a:ext cx="0" cy="1230233"/>
+            </a:xfrm>
+            <a:prstGeom prst="straightConnector1">
+              <a:avLst/>
+            </a:prstGeom>
+            <a:ln w="38100">
+              <a:tailEnd type="triangle"/>
+            </a:ln>
+          </p:spPr>
+          <p:style>
+            <a:lnRef idx="1">
+              <a:schemeClr val="accent1"/>
+            </a:lnRef>
+            <a:fillRef idx="0">
+              <a:schemeClr val="accent1"/>
+            </a:fillRef>
+            <a:effectRef idx="0">
+              <a:schemeClr val="accent1"/>
+            </a:effectRef>
+            <a:fontRef idx="minor">
+              <a:schemeClr val="tx1"/>
+            </a:fontRef>
+          </p:style>
+        </p:cxnSp>
+        <p:cxnSp>
+          <p:nvCxnSpPr>
+            <p:cNvPr id="11" name="直接箭头连接符 10">
+              <a:extLst>
+                <a:ext uri="{FF2B5EF4-FFF2-40B4-BE49-F238E27FC236}">
+                  <a16:creationId xmlns:a16="http://schemas.microsoft.com/office/drawing/2014/main" id="{B999C28A-76D5-4080-89C4-5D3E0590EF90}"/>
+                </a:ext>
+              </a:extLst>
+            </p:cNvPr>
+            <p:cNvCxnSpPr>
+              <a:cxnSpLocks/>
+            </p:cNvCxnSpPr>
+            <p:nvPr/>
+          </p:nvCxnSpPr>
+          <p:spPr>
+            <a:xfrm flipV="1">
+              <a:off x="8804845" y="2176165"/>
+              <a:ext cx="0" cy="1224136"/>
+            </a:xfrm>
+            <a:prstGeom prst="straightConnector1">
+              <a:avLst/>
+            </a:prstGeom>
+            <a:ln w="38100">
+              <a:tailEnd type="triangle"/>
+            </a:ln>
+          </p:spPr>
+          <p:style>
+            <a:lnRef idx="1">
+              <a:schemeClr val="accent1"/>
+            </a:lnRef>
+            <a:fillRef idx="0">
+              <a:schemeClr val="accent1"/>
+            </a:fillRef>
+            <a:effectRef idx="0">
+              <a:schemeClr val="accent1"/>
+            </a:effectRef>
+            <a:fontRef idx="minor">
+              <a:schemeClr val="tx1"/>
+            </a:fontRef>
+          </p:style>
+        </p:cxnSp>
+        <p:sp>
+          <p:nvSpPr>
+            <p:cNvPr id="14" name="文本框 13">
+              <a:extLst>
+                <a:ext uri="{FF2B5EF4-FFF2-40B4-BE49-F238E27FC236}">
+                  <a16:creationId xmlns:a16="http://schemas.microsoft.com/office/drawing/2014/main" id="{16244C11-7563-4B4D-86C7-DF53291B02A2}"/>
+                </a:ext>
+              </a:extLst>
+            </p:cNvPr>
+            <p:cNvSpPr txBox="1"/>
+            <p:nvPr/>
+          </p:nvSpPr>
+          <p:spPr>
+            <a:xfrm>
+              <a:off x="4700389" y="2536205"/>
+              <a:ext cx="792080" cy="400110"/>
+            </a:xfrm>
+            <a:prstGeom prst="rect">
+              <a:avLst/>
+            </a:prstGeom>
+            <a:noFill/>
+          </p:spPr>
+          <p:txBody>
+            <a:bodyPr wrap="square" rtlCol="0">
+              <a:spAutoFit/>
+            </a:bodyPr>
+            <a:lstStyle/>
+            <a:p>
+              <a:r>
+                <a:rPr lang="zh-CN" altLang="en-US" sz="2000" b="1" dirty="0">
+                  <a:latin typeface="华文仿宋" panose="02010600040101010101" pitchFamily="2" charset="-122"/>
+                  <a:ea typeface="华文仿宋" panose="02010600040101010101" pitchFamily="2" charset="-122"/>
+                </a:rPr>
+                <a:t>前端</a:t>
+              </a:r>
+            </a:p>
+          </p:txBody>
+        </p:sp>
+        <p:sp>
+          <p:nvSpPr>
+            <p:cNvPr id="15" name="文本框 14">
+              <a:extLst>
+                <a:ext uri="{FF2B5EF4-FFF2-40B4-BE49-F238E27FC236}">
+                  <a16:creationId xmlns:a16="http://schemas.microsoft.com/office/drawing/2014/main" id="{1BB7C207-C69D-4E82-90A2-308BC4CF8D5F}"/>
+                </a:ext>
+              </a:extLst>
+            </p:cNvPr>
+            <p:cNvSpPr txBox="1"/>
+            <p:nvPr/>
+          </p:nvSpPr>
+          <p:spPr>
+            <a:xfrm>
+              <a:off x="8840853" y="2900350"/>
+              <a:ext cx="792080" cy="400110"/>
+            </a:xfrm>
+            <a:prstGeom prst="rect">
+              <a:avLst/>
+            </a:prstGeom>
+            <a:noFill/>
+          </p:spPr>
+          <p:txBody>
+            <a:bodyPr wrap="square" rtlCol="0">
+              <a:spAutoFit/>
+            </a:bodyPr>
+            <a:lstStyle/>
+            <a:p>
+              <a:r>
+                <a:rPr lang="zh-CN" altLang="en-US" sz="2000" b="1" dirty="0">
+                  <a:latin typeface="华文仿宋" panose="02010600040101010101" pitchFamily="2" charset="-122"/>
+                  <a:ea typeface="华文仿宋" panose="02010600040101010101" pitchFamily="2" charset="-122"/>
+                </a:rPr>
+                <a:t>后端</a:t>
+              </a:r>
+            </a:p>
+          </p:txBody>
+        </p:sp>
+        <p:grpSp>
+          <p:nvGrpSpPr>
+            <p:cNvPr id="18" name="组合 17">
+              <a:extLst>
+                <a:ext uri="{FF2B5EF4-FFF2-40B4-BE49-F238E27FC236}">
+                  <a16:creationId xmlns:a16="http://schemas.microsoft.com/office/drawing/2014/main" id="{568E1FBF-A05C-4646-B363-E138813A2B26}"/>
+                </a:ext>
+              </a:extLst>
+            </p:cNvPr>
+            <p:cNvGrpSpPr/>
+            <p:nvPr/>
+          </p:nvGrpSpPr>
+          <p:grpSpPr>
+            <a:xfrm>
+              <a:off x="5492469" y="3329161"/>
+              <a:ext cx="4464504" cy="679963"/>
+              <a:chOff x="5492469" y="3329163"/>
+              <a:chExt cx="4464504" cy="653294"/>
+            </a:xfrm>
+          </p:grpSpPr>
+          <p:sp>
+            <p:nvSpPr>
+              <p:cNvPr id="16" name="矩形 15">
+                <a:hlinkClick r:id="rId3" action="ppaction://hlinksldjump"/>
+                <a:extLst>
+                  <a:ext uri="{FF2B5EF4-FFF2-40B4-BE49-F238E27FC236}">
+                    <a16:creationId xmlns:a16="http://schemas.microsoft.com/office/drawing/2014/main" id="{D4F7AB0A-2731-4EF2-974F-41C32A3514B7}"/>
+                  </a:ext>
+                </a:extLst>
+              </p:cNvPr>
+              <p:cNvSpPr/>
+              <p:nvPr/>
+            </p:nvSpPr>
+            <p:spPr>
+              <a:xfrm>
+                <a:off x="5492469" y="3400301"/>
+                <a:ext cx="3744416" cy="582156"/>
+              </a:xfrm>
+              <a:prstGeom prst="rect">
+                <a:avLst/>
+              </a:prstGeom>
+              <a:solidFill>
+                <a:schemeClr val="accent1">
+                  <a:lumMod val="40000"/>
+                  <a:lumOff val="60000"/>
+                </a:schemeClr>
+              </a:solidFill>
+            </p:spPr>
+            <p:style>
+              <a:lnRef idx="2">
+                <a:schemeClr val="accent1">
+                  <a:shade val="50000"/>
+                </a:schemeClr>
+              </a:lnRef>
+              <a:fillRef idx="1">
+                <a:schemeClr val="accent1"/>
+              </a:fillRef>
+              <a:effectRef idx="0">
+                <a:schemeClr val="accent1"/>
+              </a:effectRef>
+              <a:fontRef idx="minor">
+                <a:schemeClr val="lt1"/>
+              </a:fontRef>
+            </p:style>
+            <p:txBody>
+              <a:bodyPr rtlCol="0" anchor="ctr"/>
+              <a:lstStyle/>
+              <a:p>
+                <a:pPr algn="ctr"/>
+                <a:endParaRPr lang="zh-CN" altLang="en-US">
+                  <a:solidFill>
+                    <a:srgbClr val="FFC000"/>
+                  </a:solidFill>
+                </a:endParaRPr>
+              </a:p>
+            </p:txBody>
+          </p:sp>
+          <p:sp>
+            <p:nvSpPr>
+              <p:cNvPr id="17" name="文本框 16">
+                <a:extLst>
+                  <a:ext uri="{FF2B5EF4-FFF2-40B4-BE49-F238E27FC236}">
+                    <a16:creationId xmlns:a16="http://schemas.microsoft.com/office/drawing/2014/main" id="{382E63DA-D63C-493D-A2A1-F69A5E1F0DD2}"/>
+                  </a:ext>
+                </a:extLst>
+              </p:cNvPr>
+              <p:cNvSpPr txBox="1"/>
+              <p:nvPr/>
+            </p:nvSpPr>
+            <p:spPr>
+              <a:xfrm>
+                <a:off x="6212557" y="3329163"/>
+                <a:ext cx="3744416" cy="620981"/>
+              </a:xfrm>
+              <a:prstGeom prst="rect">
+                <a:avLst/>
+              </a:prstGeom>
+              <a:noFill/>
+            </p:spPr>
+            <p:txBody>
+              <a:bodyPr wrap="square" rtlCol="0">
+                <a:spAutoFit/>
+              </a:bodyPr>
+              <a:lstStyle/>
+              <a:p>
+                <a:r>
+                  <a:rPr lang="en-US" altLang="zh-CN" sz="3600" dirty="0">
+                    <a:solidFill>
+                      <a:schemeClr val="bg1"/>
+                    </a:solidFill>
+                  </a:rPr>
+                  <a:t>Controllers</a:t>
+                </a:r>
+                <a:endParaRPr lang="zh-CN" altLang="en-US" sz="3600" dirty="0">
+                  <a:solidFill>
+                    <a:schemeClr val="bg1"/>
+                  </a:solidFill>
+                </a:endParaRPr>
+              </a:p>
+            </p:txBody>
+          </p:sp>
+        </p:grpSp>
+        <p:sp>
+          <p:nvSpPr>
+            <p:cNvPr id="19" name="文本框 18">
+              <a:extLst>
+                <a:ext uri="{FF2B5EF4-FFF2-40B4-BE49-F238E27FC236}">
+                  <a16:creationId xmlns:a16="http://schemas.microsoft.com/office/drawing/2014/main" id="{198EEAF6-B378-43CC-AF7B-62E74423C40E}"/>
+                </a:ext>
+              </a:extLst>
+            </p:cNvPr>
+            <p:cNvSpPr txBox="1"/>
+            <p:nvPr/>
+          </p:nvSpPr>
+          <p:spPr>
+            <a:xfrm>
+              <a:off x="5852522" y="2541720"/>
+              <a:ext cx="1152124" cy="369332"/>
+            </a:xfrm>
+            <a:prstGeom prst="rect">
+              <a:avLst/>
+            </a:prstGeom>
+            <a:noFill/>
+          </p:spPr>
+          <p:txBody>
+            <a:bodyPr wrap="square" rtlCol="0">
+              <a:spAutoFit/>
+            </a:bodyPr>
+            <a:lstStyle/>
+            <a:p>
+              <a:r>
+                <a:rPr lang="en-US" altLang="zh-CN" dirty="0"/>
+                <a:t>Request</a:t>
+              </a:r>
+              <a:endParaRPr lang="zh-CN" altLang="en-US" dirty="0"/>
+            </a:p>
+          </p:txBody>
+        </p:sp>
+        <p:sp>
+          <p:nvSpPr>
+            <p:cNvPr id="20" name="文本框 19">
+              <a:extLst>
+                <a:ext uri="{FF2B5EF4-FFF2-40B4-BE49-F238E27FC236}">
+                  <a16:creationId xmlns:a16="http://schemas.microsoft.com/office/drawing/2014/main" id="{804E45BF-8863-421A-B65F-BD35A463C419}"/>
+                </a:ext>
+              </a:extLst>
+            </p:cNvPr>
+            <p:cNvSpPr txBox="1"/>
+            <p:nvPr/>
+          </p:nvSpPr>
+          <p:spPr>
+            <a:xfrm>
+              <a:off x="7724733" y="2871647"/>
+              <a:ext cx="1152124" cy="369332"/>
+            </a:xfrm>
+            <a:prstGeom prst="rect">
+              <a:avLst/>
+            </a:prstGeom>
+            <a:noFill/>
+          </p:spPr>
+          <p:txBody>
+            <a:bodyPr wrap="square" rtlCol="0">
+              <a:spAutoFit/>
+            </a:bodyPr>
+            <a:lstStyle/>
+            <a:p>
+              <a:r>
+                <a:rPr lang="en-US" altLang="zh-CN" dirty="0"/>
+                <a:t>Response</a:t>
+              </a:r>
+              <a:endParaRPr lang="zh-CN" altLang="en-US" dirty="0"/>
+            </a:p>
+          </p:txBody>
+        </p:sp>
+        <p:cxnSp>
+          <p:nvCxnSpPr>
+            <p:cNvPr id="24" name="直接箭头连接符 23">
+              <a:extLst>
+                <a:ext uri="{FF2B5EF4-FFF2-40B4-BE49-F238E27FC236}">
+                  <a16:creationId xmlns:a16="http://schemas.microsoft.com/office/drawing/2014/main" id="{7A9E7DD1-5DE4-47E5-A576-A229F691CC7D}"/>
+                </a:ext>
+              </a:extLst>
+            </p:cNvPr>
+            <p:cNvCxnSpPr>
+              <a:cxnSpLocks/>
+            </p:cNvCxnSpPr>
+            <p:nvPr/>
+          </p:nvCxnSpPr>
+          <p:spPr>
+            <a:xfrm>
+              <a:off x="5852517" y="4009124"/>
+              <a:ext cx="0" cy="1551417"/>
+            </a:xfrm>
+            <a:prstGeom prst="straightConnector1">
+              <a:avLst/>
+            </a:prstGeom>
+            <a:ln w="38100">
+              <a:tailEnd type="triangle"/>
+            </a:ln>
+          </p:spPr>
+          <p:style>
+            <a:lnRef idx="1">
+              <a:schemeClr val="accent1"/>
+            </a:lnRef>
+            <a:fillRef idx="0">
+              <a:schemeClr val="accent1"/>
+            </a:fillRef>
+            <a:effectRef idx="0">
+              <a:schemeClr val="accent1"/>
+            </a:effectRef>
+            <a:fontRef idx="minor">
+              <a:schemeClr val="tx1"/>
+            </a:fontRef>
+          </p:style>
+        </p:cxnSp>
+        <p:cxnSp>
+          <p:nvCxnSpPr>
+            <p:cNvPr id="26" name="直接箭头连接符 25">
+              <a:extLst>
+                <a:ext uri="{FF2B5EF4-FFF2-40B4-BE49-F238E27FC236}">
+                  <a16:creationId xmlns:a16="http://schemas.microsoft.com/office/drawing/2014/main" id="{2A88F953-0303-4383-8D81-1F66BFBE3D85}"/>
+                </a:ext>
+              </a:extLst>
+            </p:cNvPr>
+            <p:cNvCxnSpPr>
+              <a:cxnSpLocks/>
+            </p:cNvCxnSpPr>
+            <p:nvPr/>
+          </p:nvCxnSpPr>
+          <p:spPr>
+            <a:xfrm flipV="1">
+              <a:off x="8804845" y="4009124"/>
+              <a:ext cx="8279" cy="903345"/>
+            </a:xfrm>
+            <a:prstGeom prst="straightConnector1">
+              <a:avLst/>
+            </a:prstGeom>
+            <a:ln w="38100">
+              <a:tailEnd type="triangle"/>
+            </a:ln>
+          </p:spPr>
+          <p:style>
+            <a:lnRef idx="1">
+              <a:schemeClr val="accent1"/>
+            </a:lnRef>
+            <a:fillRef idx="0">
+              <a:schemeClr val="accent1"/>
+            </a:fillRef>
+            <a:effectRef idx="0">
+              <a:schemeClr val="accent1"/>
+            </a:effectRef>
+            <a:fontRef idx="minor">
+              <a:schemeClr val="tx1"/>
+            </a:fontRef>
+          </p:style>
+        </p:cxnSp>
+        <p:sp>
+          <p:nvSpPr>
+            <p:cNvPr id="28" name="矩形 27">
+              <a:extLst>
+                <a:ext uri="{FF2B5EF4-FFF2-40B4-BE49-F238E27FC236}">
+                  <a16:creationId xmlns:a16="http://schemas.microsoft.com/office/drawing/2014/main" id="{C6BA665A-F4F7-4B23-A105-8E997417EEE1}"/>
+                </a:ext>
+              </a:extLst>
+            </p:cNvPr>
+            <p:cNvSpPr/>
+            <p:nvPr/>
+          </p:nvSpPr>
+          <p:spPr>
+            <a:xfrm>
+              <a:off x="7904736" y="4460796"/>
+              <a:ext cx="1728192" cy="504057"/>
+            </a:xfrm>
+            <a:prstGeom prst="rect">
+              <a:avLst/>
+            </a:prstGeom>
+            <a:solidFill>
+              <a:srgbClr val="FF8607"/>
+            </a:solidFill>
+          </p:spPr>
+          <p:style>
+            <a:lnRef idx="2">
+              <a:schemeClr val="accent1">
+                <a:shade val="50000"/>
+              </a:schemeClr>
+            </a:lnRef>
+            <a:fillRef idx="1">
+              <a:schemeClr val="accent1"/>
+            </a:fillRef>
+            <a:effectRef idx="0">
+              <a:schemeClr val="accent1"/>
+            </a:effectRef>
+            <a:fontRef idx="minor">
+              <a:schemeClr val="lt1"/>
+            </a:fontRef>
+          </p:style>
+          <p:txBody>
+            <a:bodyPr rtlCol="0" anchor="ctr"/>
+            <a:lstStyle/>
+            <a:p>
+              <a:pPr algn="ctr"/>
+              <a:endParaRPr lang="zh-CN" altLang="en-US"/>
+            </a:p>
+          </p:txBody>
+        </p:sp>
+        <p:sp>
+          <p:nvSpPr>
+            <p:cNvPr id="29" name="文本框 28">
+              <a:hlinkClick r:id="rId4" action="ppaction://hlinksldjump"/>
+              <a:extLst>
+                <a:ext uri="{FF2B5EF4-FFF2-40B4-BE49-F238E27FC236}">
+                  <a16:creationId xmlns:a16="http://schemas.microsoft.com/office/drawing/2014/main" id="{3D5B7BD8-F681-45B2-A8B0-AE99BC4DCBD0}"/>
+                </a:ext>
+              </a:extLst>
+            </p:cNvPr>
+            <p:cNvSpPr txBox="1"/>
+            <p:nvPr/>
+          </p:nvSpPr>
+          <p:spPr>
+            <a:xfrm>
+              <a:off x="8084765" y="4534509"/>
+              <a:ext cx="1728192" cy="400110"/>
+            </a:xfrm>
+            <a:prstGeom prst="rect">
+              <a:avLst/>
+            </a:prstGeom>
+            <a:noFill/>
+          </p:spPr>
+          <p:txBody>
+            <a:bodyPr wrap="square" rtlCol="0">
+              <a:spAutoFit/>
+            </a:bodyPr>
+            <a:lstStyle/>
+            <a:p>
+              <a:r>
+                <a:rPr lang="en-US" altLang="zh-CN" sz="2000" dirty="0">
+                  <a:solidFill>
+                    <a:schemeClr val="bg1"/>
+                  </a:solidFill>
+                </a:rPr>
+                <a:t>Redis cache</a:t>
+              </a:r>
+              <a:endParaRPr lang="zh-CN" altLang="en-US" sz="2000" dirty="0">
+                <a:solidFill>
+                  <a:schemeClr val="bg1"/>
+                </a:solidFill>
+              </a:endParaRPr>
+            </a:p>
+          </p:txBody>
+        </p:sp>
+        <p:cxnSp>
+          <p:nvCxnSpPr>
+            <p:cNvPr id="31" name="直接箭头连接符 30">
+              <a:extLst>
+                <a:ext uri="{FF2B5EF4-FFF2-40B4-BE49-F238E27FC236}">
+                  <a16:creationId xmlns:a16="http://schemas.microsoft.com/office/drawing/2014/main" id="{14914A5A-6CF3-4882-BF79-1FFEE8B17F29}"/>
+                </a:ext>
+              </a:extLst>
+            </p:cNvPr>
+            <p:cNvCxnSpPr>
+              <a:cxnSpLocks/>
+            </p:cNvCxnSpPr>
+            <p:nvPr/>
+          </p:nvCxnSpPr>
+          <p:spPr>
+            <a:xfrm flipH="1" flipV="1">
+              <a:off x="8804845" y="4952362"/>
+              <a:ext cx="8279" cy="608179"/>
+            </a:xfrm>
+            <a:prstGeom prst="straightConnector1">
+              <a:avLst/>
+            </a:prstGeom>
+            <a:ln w="38100">
+              <a:tailEnd type="triangle"/>
+            </a:ln>
+          </p:spPr>
+          <p:style>
+            <a:lnRef idx="1">
+              <a:schemeClr val="accent1"/>
+            </a:lnRef>
+            <a:fillRef idx="0">
+              <a:schemeClr val="accent1"/>
+            </a:fillRef>
+            <a:effectRef idx="0">
+              <a:schemeClr val="accent1"/>
+            </a:effectRef>
+            <a:fontRef idx="minor">
+              <a:schemeClr val="tx1"/>
+            </a:fontRef>
+          </p:style>
+        </p:cxnSp>
+        <p:cxnSp>
+          <p:nvCxnSpPr>
+            <p:cNvPr id="33" name="直接箭头连接符 32">
+              <a:extLst>
+                <a:ext uri="{FF2B5EF4-FFF2-40B4-BE49-F238E27FC236}">
+                  <a16:creationId xmlns:a16="http://schemas.microsoft.com/office/drawing/2014/main" id="{C45A6B01-5214-4DAC-BD7C-BD1C7F0C51A5}"/>
+                </a:ext>
+              </a:extLst>
+            </p:cNvPr>
+            <p:cNvCxnSpPr>
+              <a:cxnSpLocks/>
+            </p:cNvCxnSpPr>
+            <p:nvPr/>
+          </p:nvCxnSpPr>
+          <p:spPr>
+            <a:xfrm flipV="1">
+              <a:off x="6094091" y="4009124"/>
+              <a:ext cx="0" cy="1551417"/>
+            </a:xfrm>
+            <a:prstGeom prst="straightConnector1">
+              <a:avLst/>
+            </a:prstGeom>
+            <a:ln w="38100">
+              <a:tailEnd type="triangle"/>
+            </a:ln>
+          </p:spPr>
+          <p:style>
+            <a:lnRef idx="1">
+              <a:schemeClr val="accent1"/>
+            </a:lnRef>
+            <a:fillRef idx="0">
+              <a:schemeClr val="accent1"/>
+            </a:fillRef>
+            <a:effectRef idx="0">
+              <a:schemeClr val="accent1"/>
+            </a:effectRef>
+            <a:fontRef idx="minor">
+              <a:schemeClr val="tx1"/>
+            </a:fontRef>
+          </p:style>
+        </p:cxnSp>
+        <p:cxnSp>
+          <p:nvCxnSpPr>
+            <p:cNvPr id="36" name="直接箭头连接符 35">
+              <a:extLst>
+                <a:ext uri="{FF2B5EF4-FFF2-40B4-BE49-F238E27FC236}">
+                  <a16:creationId xmlns:a16="http://schemas.microsoft.com/office/drawing/2014/main" id="{9BC53640-8C24-43CE-95F6-0E58A6FF5FB0}"/>
+                </a:ext>
+              </a:extLst>
+            </p:cNvPr>
+            <p:cNvCxnSpPr>
+              <a:cxnSpLocks/>
+            </p:cNvCxnSpPr>
+            <p:nvPr/>
+          </p:nvCxnSpPr>
+          <p:spPr>
+            <a:xfrm>
+              <a:off x="8516813" y="4009124"/>
+              <a:ext cx="0" cy="451672"/>
+            </a:xfrm>
+            <a:prstGeom prst="straightConnector1">
+              <a:avLst/>
+            </a:prstGeom>
+            <a:ln w="38100">
+              <a:tailEnd type="triangle"/>
+            </a:ln>
+          </p:spPr>
+          <p:style>
+            <a:lnRef idx="1">
+              <a:schemeClr val="accent1"/>
+            </a:lnRef>
+            <a:fillRef idx="0">
+              <a:schemeClr val="accent1"/>
+            </a:fillRef>
+            <a:effectRef idx="0">
+              <a:schemeClr val="accent1"/>
+            </a:effectRef>
+            <a:fontRef idx="minor">
+              <a:schemeClr val="tx1"/>
+            </a:fontRef>
+          </p:style>
+        </p:cxnSp>
+        <p:cxnSp>
+          <p:nvCxnSpPr>
+            <p:cNvPr id="38" name="直接箭头连接符 37">
+              <a:extLst>
+                <a:ext uri="{FF2B5EF4-FFF2-40B4-BE49-F238E27FC236}">
+                  <a16:creationId xmlns:a16="http://schemas.microsoft.com/office/drawing/2014/main" id="{E98106E8-F07A-46DE-8AF1-3699F8BFE9F4}"/>
+                </a:ext>
+              </a:extLst>
+            </p:cNvPr>
+            <p:cNvCxnSpPr>
+              <a:cxnSpLocks/>
+            </p:cNvCxnSpPr>
+            <p:nvPr/>
+          </p:nvCxnSpPr>
+          <p:spPr>
+            <a:xfrm>
+              <a:off x="8516813" y="4964853"/>
+              <a:ext cx="0" cy="595688"/>
+            </a:xfrm>
+            <a:prstGeom prst="straightConnector1">
+              <a:avLst/>
+            </a:prstGeom>
+            <a:ln w="38100">
+              <a:tailEnd type="triangle"/>
+            </a:ln>
+          </p:spPr>
+          <p:style>
+            <a:lnRef idx="1">
+              <a:schemeClr val="accent1"/>
+            </a:lnRef>
+            <a:fillRef idx="0">
+              <a:schemeClr val="accent1"/>
+            </a:fillRef>
+            <a:effectRef idx="0">
+              <a:schemeClr val="accent1"/>
+            </a:effectRef>
+            <a:fontRef idx="minor">
+              <a:schemeClr val="tx1"/>
+            </a:fontRef>
+          </p:style>
+        </p:cxnSp>
+        <p:sp>
+          <p:nvSpPr>
+            <p:cNvPr id="40" name="矩形: 圆角 39">
+              <a:hlinkClick r:id="rId5" action="ppaction://hlinksldjump"/>
+              <a:extLst>
+                <a:ext uri="{FF2B5EF4-FFF2-40B4-BE49-F238E27FC236}">
+                  <a16:creationId xmlns:a16="http://schemas.microsoft.com/office/drawing/2014/main" id="{B1BAE07C-1546-40C6-B88F-86EF2C37C07A}"/>
+                </a:ext>
+              </a:extLst>
+            </p:cNvPr>
+            <p:cNvSpPr/>
+            <p:nvPr/>
+          </p:nvSpPr>
+          <p:spPr>
+            <a:xfrm>
+              <a:off x="5492469" y="5560541"/>
+              <a:ext cx="3744416" cy="792088"/>
+            </a:xfrm>
+            <a:prstGeom prst="roundRect">
+              <a:avLst/>
+            </a:prstGeom>
+            <a:solidFill>
+              <a:srgbClr val="0070C0"/>
+            </a:solidFill>
+          </p:spPr>
+          <p:style>
+            <a:lnRef idx="2">
+              <a:schemeClr val="accent1">
+                <a:shade val="50000"/>
+              </a:schemeClr>
+            </a:lnRef>
+            <a:fillRef idx="1">
+              <a:schemeClr val="accent1"/>
+            </a:fillRef>
+            <a:effectRef idx="0">
+              <a:schemeClr val="accent1"/>
+            </a:effectRef>
+            <a:fontRef idx="minor">
+              <a:schemeClr val="lt1"/>
+            </a:fontRef>
+          </p:style>
+          <p:txBody>
+            <a:bodyPr rtlCol="0" anchor="ctr"/>
+            <a:lstStyle/>
+            <a:p>
+              <a:pPr algn="ctr"/>
+              <a:endParaRPr lang="zh-CN" altLang="en-US"/>
+            </a:p>
+          </p:txBody>
+        </p:sp>
+        <p:sp>
+          <p:nvSpPr>
+            <p:cNvPr id="41" name="文本框 40">
+              <a:extLst>
+                <a:ext uri="{FF2B5EF4-FFF2-40B4-BE49-F238E27FC236}">
+                  <a16:creationId xmlns:a16="http://schemas.microsoft.com/office/drawing/2014/main" id="{9638CF32-5724-4067-B823-53EC5586A666}"/>
+                </a:ext>
+              </a:extLst>
+            </p:cNvPr>
+            <p:cNvSpPr txBox="1"/>
+            <p:nvPr/>
+          </p:nvSpPr>
+          <p:spPr>
+            <a:xfrm>
+              <a:off x="6032524" y="5756119"/>
+              <a:ext cx="2664296" cy="400110"/>
+            </a:xfrm>
+            <a:prstGeom prst="rect">
+              <a:avLst/>
+            </a:prstGeom>
+            <a:noFill/>
+          </p:spPr>
+          <p:txBody>
+            <a:bodyPr wrap="square" rtlCol="0">
+              <a:spAutoFit/>
+            </a:bodyPr>
+            <a:lstStyle/>
+            <a:p>
+              <a:r>
+                <a:rPr lang="en-US" altLang="zh-CN" sz="2000" b="1" dirty="0">
+                  <a:solidFill>
+                    <a:schemeClr val="bg1"/>
+                  </a:solidFill>
+                </a:rPr>
+                <a:t>              ORM</a:t>
+              </a:r>
+              <a:endParaRPr lang="zh-CN" altLang="en-US" sz="2000" b="1" dirty="0">
+                <a:solidFill>
+                  <a:schemeClr val="bg1"/>
+                </a:solidFill>
+              </a:endParaRPr>
+            </a:p>
+          </p:txBody>
+        </p:sp>
+        <p:cxnSp>
+          <p:nvCxnSpPr>
+            <p:cNvPr id="42" name="直接箭头连接符 41">
+              <a:extLst>
+                <a:ext uri="{FF2B5EF4-FFF2-40B4-BE49-F238E27FC236}">
+                  <a16:creationId xmlns:a16="http://schemas.microsoft.com/office/drawing/2014/main" id="{49D2C30B-7CE1-4B2B-8100-9944B4E1D80F}"/>
+                </a:ext>
+              </a:extLst>
+            </p:cNvPr>
+            <p:cNvCxnSpPr>
+              <a:cxnSpLocks/>
+            </p:cNvCxnSpPr>
+            <p:nvPr/>
+          </p:nvCxnSpPr>
+          <p:spPr>
+            <a:xfrm>
+              <a:off x="5852517" y="6156229"/>
+              <a:ext cx="0" cy="916480"/>
+            </a:xfrm>
+            <a:prstGeom prst="straightConnector1">
+              <a:avLst/>
+            </a:prstGeom>
+            <a:ln w="38100">
+              <a:tailEnd type="triangle"/>
+            </a:ln>
+          </p:spPr>
+          <p:style>
+            <a:lnRef idx="1">
+              <a:schemeClr val="accent1"/>
+            </a:lnRef>
+            <a:fillRef idx="0">
+              <a:schemeClr val="accent1"/>
+            </a:fillRef>
+            <a:effectRef idx="0">
+              <a:schemeClr val="accent1"/>
+            </a:effectRef>
+            <a:fontRef idx="minor">
+              <a:schemeClr val="tx1"/>
+            </a:fontRef>
+          </p:style>
+        </p:cxnSp>
+        <p:cxnSp>
+          <p:nvCxnSpPr>
+            <p:cNvPr id="44" name="直接箭头连接符 43">
+              <a:extLst>
+                <a:ext uri="{FF2B5EF4-FFF2-40B4-BE49-F238E27FC236}">
+                  <a16:creationId xmlns:a16="http://schemas.microsoft.com/office/drawing/2014/main" id="{88736B7F-4198-4659-876A-8F0D6D242C13}"/>
+                </a:ext>
+              </a:extLst>
+            </p:cNvPr>
+            <p:cNvCxnSpPr>
+              <a:cxnSpLocks/>
+            </p:cNvCxnSpPr>
+            <p:nvPr/>
+          </p:nvCxnSpPr>
+          <p:spPr>
+            <a:xfrm flipV="1">
+              <a:off x="8514904" y="6331845"/>
+              <a:ext cx="0" cy="740864"/>
+            </a:xfrm>
+            <a:prstGeom prst="straightConnector1">
+              <a:avLst/>
+            </a:prstGeom>
+            <a:ln w="38100">
+              <a:tailEnd type="triangle"/>
+            </a:ln>
+          </p:spPr>
+          <p:style>
+            <a:lnRef idx="1">
+              <a:schemeClr val="accent1"/>
+            </a:lnRef>
+            <a:fillRef idx="0">
+              <a:schemeClr val="accent1"/>
+            </a:fillRef>
+            <a:effectRef idx="0">
+              <a:schemeClr val="accent1"/>
+            </a:effectRef>
+            <a:fontRef idx="minor">
+              <a:schemeClr val="tx1"/>
+            </a:fontRef>
+          </p:style>
+        </p:cxnSp>
+        <p:grpSp>
+          <p:nvGrpSpPr>
+            <p:cNvPr id="47" name="组合 46">
+              <a:extLst>
+                <a:ext uri="{FF2B5EF4-FFF2-40B4-BE49-F238E27FC236}">
+                  <a16:creationId xmlns:a16="http://schemas.microsoft.com/office/drawing/2014/main" id="{798B47EC-10B4-4810-A595-4C034FA5BDB9}"/>
+                </a:ext>
+              </a:extLst>
+            </p:cNvPr>
+            <p:cNvGrpSpPr/>
+            <p:nvPr/>
+          </p:nvGrpSpPr>
+          <p:grpSpPr>
+            <a:xfrm>
+              <a:off x="5492469" y="7047961"/>
+              <a:ext cx="4356247" cy="646330"/>
+              <a:chOff x="9524925" y="5204412"/>
+              <a:chExt cx="4356247" cy="620981"/>
+            </a:xfrm>
+          </p:grpSpPr>
+          <p:sp>
+            <p:nvSpPr>
+              <p:cNvPr id="48" name="矩形 47">
+                <a:extLst>
+                  <a:ext uri="{FF2B5EF4-FFF2-40B4-BE49-F238E27FC236}">
+                    <a16:creationId xmlns:a16="http://schemas.microsoft.com/office/drawing/2014/main" id="{4F4D5983-411E-419B-BA8D-EA83C742657D}"/>
+                  </a:ext>
+                </a:extLst>
+              </p:cNvPr>
+              <p:cNvSpPr/>
+              <p:nvPr/>
+            </p:nvSpPr>
+            <p:spPr>
+              <a:xfrm>
+                <a:off x="9524925" y="5227810"/>
+                <a:ext cx="3744416" cy="582156"/>
+              </a:xfrm>
+              <a:prstGeom prst="rect">
+                <a:avLst/>
+              </a:prstGeom>
+              <a:solidFill>
+                <a:schemeClr val="accent1">
+                  <a:lumMod val="40000"/>
+                  <a:lumOff val="60000"/>
+                </a:schemeClr>
+              </a:solidFill>
+            </p:spPr>
+            <p:style>
+              <a:lnRef idx="2">
+                <a:schemeClr val="accent1">
+                  <a:shade val="50000"/>
+                </a:schemeClr>
+              </a:lnRef>
+              <a:fillRef idx="1">
+                <a:schemeClr val="accent1"/>
+              </a:fillRef>
+              <a:effectRef idx="0">
+                <a:schemeClr val="accent1"/>
+              </a:effectRef>
+              <a:fontRef idx="minor">
+                <a:schemeClr val="lt1"/>
+              </a:fontRef>
+            </p:style>
+            <p:txBody>
+              <a:bodyPr rtlCol="0" anchor="ctr"/>
+              <a:lstStyle/>
+              <a:p>
+                <a:pPr algn="ctr"/>
+                <a:endParaRPr lang="zh-CN" altLang="en-US">
+                  <a:solidFill>
+                    <a:srgbClr val="FFC000"/>
+                  </a:solidFill>
+                </a:endParaRPr>
+              </a:p>
+            </p:txBody>
+          </p:sp>
+          <p:sp>
+            <p:nvSpPr>
+              <p:cNvPr id="49" name="文本框 48">
+                <a:extLst>
+                  <a:ext uri="{FF2B5EF4-FFF2-40B4-BE49-F238E27FC236}">
+                    <a16:creationId xmlns:a16="http://schemas.microsoft.com/office/drawing/2014/main" id="{D365C1C8-A644-4236-871A-C2EB58C5270B}"/>
+                  </a:ext>
+                </a:extLst>
+              </p:cNvPr>
+              <p:cNvSpPr txBox="1"/>
+              <p:nvPr/>
+            </p:nvSpPr>
+            <p:spPr>
+              <a:xfrm>
+                <a:off x="10136756" y="5204412"/>
+                <a:ext cx="3744416" cy="620981"/>
+              </a:xfrm>
+              <a:prstGeom prst="rect">
+                <a:avLst/>
+              </a:prstGeom>
+              <a:noFill/>
+            </p:spPr>
+            <p:txBody>
+              <a:bodyPr wrap="square" rtlCol="0">
+                <a:spAutoFit/>
+              </a:bodyPr>
+              <a:lstStyle/>
+              <a:p>
+                <a:r>
+                  <a:rPr lang="en-US" altLang="zh-CN" sz="3600" dirty="0">
+                    <a:solidFill>
+                      <a:schemeClr val="bg1"/>
+                    </a:solidFill>
+                  </a:rPr>
+                  <a:t>SQL server</a:t>
+                </a:r>
+                <a:endParaRPr lang="zh-CN" altLang="en-US" sz="3600" dirty="0">
+                  <a:solidFill>
+                    <a:schemeClr val="bg1"/>
+                  </a:solidFill>
+                </a:endParaRPr>
+              </a:p>
+            </p:txBody>
+          </p:sp>
+        </p:grpSp>
+      </p:grpSp>
       <p:grpSp>
         <p:nvGrpSpPr>
           <p:cNvPr id="54" name="组合 53">
@@ -8676,7 +9733,7 @@
             <a:p>
               <a:r>
                 <a:rPr lang="en-US" altLang="zh-CN" sz="2000" b="1" dirty="0">
-                  <a:hlinkClick r:id="rId3" action="ppaction://hlinksldjump"/>
+                  <a:hlinkClick r:id="rId6" action="ppaction://hlinksldjump"/>
                 </a:rPr>
                 <a:t>Entity Model</a:t>
               </a:r>
@@ -8684,1171 +9741,6 @@
             </a:p>
           </p:txBody>
         </p:sp>
-      </p:grpSp>
-      <p:grpSp>
-        <p:nvGrpSpPr>
-          <p:cNvPr id="12" name="组合 11">
-            <a:extLst>
-              <a:ext uri="{FF2B5EF4-FFF2-40B4-BE49-F238E27FC236}">
-                <a16:creationId xmlns:a16="http://schemas.microsoft.com/office/drawing/2014/main" id="{AC12DC0C-1053-4FD0-B42E-BDAC71F3CC7C}"/>
-              </a:ext>
-            </a:extLst>
-          </p:cNvPr>
-          <p:cNvGrpSpPr/>
-          <p:nvPr/>
-        </p:nvGrpSpPr>
-        <p:grpSpPr>
-          <a:xfrm>
-            <a:off x="5276453" y="1517230"/>
-            <a:ext cx="5256584" cy="6460327"/>
-            <a:chOff x="5283783" y="1513797"/>
-            <a:chExt cx="5256584" cy="6460327"/>
-          </a:xfrm>
-        </p:grpSpPr>
-        <p:grpSp>
-          <p:nvGrpSpPr>
-            <p:cNvPr id="55" name="组合 54">
-              <a:extLst>
-                <a:ext uri="{FF2B5EF4-FFF2-40B4-BE49-F238E27FC236}">
-                  <a16:creationId xmlns:a16="http://schemas.microsoft.com/office/drawing/2014/main" id="{EFBDF8D1-1FB3-4AAF-BDDD-013EC0BE78BC}"/>
-                </a:ext>
-              </a:extLst>
-            </p:cNvPr>
-            <p:cNvGrpSpPr/>
-            <p:nvPr/>
-          </p:nvGrpSpPr>
-          <p:grpSpPr>
-            <a:xfrm>
-              <a:off x="5283783" y="1513797"/>
-              <a:ext cx="5256584" cy="6460327"/>
-              <a:chOff x="4700389" y="1233964"/>
-              <a:chExt cx="5256584" cy="6460327"/>
-            </a:xfrm>
-          </p:grpSpPr>
-          <p:sp>
-            <p:nvSpPr>
-              <p:cNvPr id="4" name="矩形 3">
-                <a:extLst>
-                  <a:ext uri="{FF2B5EF4-FFF2-40B4-BE49-F238E27FC236}">
-                    <a16:creationId xmlns:a16="http://schemas.microsoft.com/office/drawing/2014/main" id="{3EFCFF71-8F9B-417B-83E5-14703F3D2345}"/>
-                  </a:ext>
-                </a:extLst>
-              </p:cNvPr>
-              <p:cNvSpPr/>
-              <p:nvPr/>
-            </p:nvSpPr>
-            <p:spPr>
-              <a:xfrm>
-                <a:off x="5492477" y="1233964"/>
-                <a:ext cx="3744416" cy="936104"/>
-              </a:xfrm>
-              <a:prstGeom prst="rect">
-                <a:avLst/>
-              </a:prstGeom>
-              <a:solidFill>
-                <a:srgbClr val="FFC000"/>
-              </a:solidFill>
-            </p:spPr>
-            <p:style>
-              <a:lnRef idx="2">
-                <a:schemeClr val="accent1">
-                  <a:shade val="50000"/>
-                </a:schemeClr>
-              </a:lnRef>
-              <a:fillRef idx="1">
-                <a:schemeClr val="accent1"/>
-              </a:fillRef>
-              <a:effectRef idx="0">
-                <a:schemeClr val="accent1"/>
-              </a:effectRef>
-              <a:fontRef idx="minor">
-                <a:schemeClr val="lt1"/>
-              </a:fontRef>
-            </p:style>
-            <p:txBody>
-              <a:bodyPr rtlCol="0" anchor="ctr"/>
-              <a:lstStyle/>
-              <a:p>
-                <a:pPr algn="ctr"/>
-                <a:endParaRPr lang="zh-CN" altLang="en-US">
-                  <a:solidFill>
-                    <a:srgbClr val="FFC000"/>
-                  </a:solidFill>
-                </a:endParaRPr>
-              </a:p>
-            </p:txBody>
-          </p:sp>
-          <p:sp>
-            <p:nvSpPr>
-              <p:cNvPr id="5" name="文本框 4">
-                <a:extLst>
-                  <a:ext uri="{FF2B5EF4-FFF2-40B4-BE49-F238E27FC236}">
-                    <a16:creationId xmlns:a16="http://schemas.microsoft.com/office/drawing/2014/main" id="{C94317FA-7ACA-41DF-BBC1-AA3F34FF4287}"/>
-                  </a:ext>
-                </a:extLst>
-              </p:cNvPr>
-              <p:cNvSpPr txBox="1"/>
-              <p:nvPr/>
-            </p:nvSpPr>
-            <p:spPr>
-              <a:xfrm>
-                <a:off x="6068541" y="1378850"/>
-                <a:ext cx="3744416" cy="646331"/>
-              </a:xfrm>
-              <a:prstGeom prst="rect">
-                <a:avLst/>
-              </a:prstGeom>
-              <a:noFill/>
-            </p:spPr>
-            <p:txBody>
-              <a:bodyPr wrap="square" rtlCol="0">
-                <a:spAutoFit/>
-              </a:bodyPr>
-              <a:lstStyle/>
-              <a:p>
-                <a:r>
-                  <a:rPr lang="en-US" altLang="zh-CN" sz="3600" dirty="0"/>
-                  <a:t>Client(react.js)</a:t>
-                </a:r>
-                <a:endParaRPr lang="zh-CN" altLang="en-US" sz="3600" dirty="0"/>
-              </a:p>
-            </p:txBody>
-          </p:sp>
-          <p:cxnSp>
-            <p:nvCxnSpPr>
-              <p:cNvPr id="7" name="直接连接符 6">
-                <a:extLst>
-                  <a:ext uri="{FF2B5EF4-FFF2-40B4-BE49-F238E27FC236}">
-                    <a16:creationId xmlns:a16="http://schemas.microsoft.com/office/drawing/2014/main" id="{AC2FBDCC-D4BC-488E-8315-923633C29D1F}"/>
-                  </a:ext>
-                </a:extLst>
-              </p:cNvPr>
-              <p:cNvCxnSpPr>
-                <a:cxnSpLocks/>
-              </p:cNvCxnSpPr>
-              <p:nvPr/>
-            </p:nvCxnSpPr>
-            <p:spPr>
-              <a:xfrm>
-                <a:off x="4988421" y="2896245"/>
-                <a:ext cx="4464496" cy="0"/>
-              </a:xfrm>
-              <a:prstGeom prst="line">
-                <a:avLst/>
-              </a:prstGeom>
-              <a:ln w="28575" cap="flat" cmpd="sng" algn="ctr">
-                <a:solidFill>
-                  <a:schemeClr val="accent4"/>
-                </a:solidFill>
-                <a:prstDash val="dash"/>
-                <a:round/>
-                <a:headEnd type="none" w="med" len="med"/>
-                <a:tailEnd type="none" w="med" len="med"/>
-              </a:ln>
-            </p:spPr>
-            <p:style>
-              <a:lnRef idx="0">
-                <a:scrgbClr r="0" g="0" b="0"/>
-              </a:lnRef>
-              <a:fillRef idx="0">
-                <a:scrgbClr r="0" g="0" b="0"/>
-              </a:fillRef>
-              <a:effectRef idx="0">
-                <a:scrgbClr r="0" g="0" b="0"/>
-              </a:effectRef>
-              <a:fontRef idx="minor">
-                <a:schemeClr val="tx1"/>
-              </a:fontRef>
-            </p:style>
-          </p:cxnSp>
-          <p:cxnSp>
-            <p:nvCxnSpPr>
-              <p:cNvPr id="10" name="直接箭头连接符 9">
-                <a:extLst>
-                  <a:ext uri="{FF2B5EF4-FFF2-40B4-BE49-F238E27FC236}">
-                    <a16:creationId xmlns:a16="http://schemas.microsoft.com/office/drawing/2014/main" id="{B76BB70A-A4AB-4A07-99BE-39FC4E1C1D08}"/>
-                  </a:ext>
-                </a:extLst>
-              </p:cNvPr>
-              <p:cNvCxnSpPr/>
-              <p:nvPr/>
-            </p:nvCxnSpPr>
-            <p:spPr>
-              <a:xfrm>
-                <a:off x="5852517" y="2170068"/>
-                <a:ext cx="0" cy="1230233"/>
-              </a:xfrm>
-              <a:prstGeom prst="straightConnector1">
-                <a:avLst/>
-              </a:prstGeom>
-              <a:ln w="38100">
-                <a:tailEnd type="triangle"/>
-              </a:ln>
-            </p:spPr>
-            <p:style>
-              <a:lnRef idx="1">
-                <a:schemeClr val="accent1"/>
-              </a:lnRef>
-              <a:fillRef idx="0">
-                <a:schemeClr val="accent1"/>
-              </a:fillRef>
-              <a:effectRef idx="0">
-                <a:schemeClr val="accent1"/>
-              </a:effectRef>
-              <a:fontRef idx="minor">
-                <a:schemeClr val="tx1"/>
-              </a:fontRef>
-            </p:style>
-          </p:cxnSp>
-          <p:cxnSp>
-            <p:nvCxnSpPr>
-              <p:cNvPr id="11" name="直接箭头连接符 10">
-                <a:extLst>
-                  <a:ext uri="{FF2B5EF4-FFF2-40B4-BE49-F238E27FC236}">
-                    <a16:creationId xmlns:a16="http://schemas.microsoft.com/office/drawing/2014/main" id="{B999C28A-76D5-4080-89C4-5D3E0590EF90}"/>
-                  </a:ext>
-                </a:extLst>
-              </p:cNvPr>
-              <p:cNvCxnSpPr>
-                <a:cxnSpLocks/>
-              </p:cNvCxnSpPr>
-              <p:nvPr/>
-            </p:nvCxnSpPr>
-            <p:spPr>
-              <a:xfrm flipV="1">
-                <a:off x="8804845" y="2176165"/>
-                <a:ext cx="0" cy="1224136"/>
-              </a:xfrm>
-              <a:prstGeom prst="straightConnector1">
-                <a:avLst/>
-              </a:prstGeom>
-              <a:ln w="38100">
-                <a:tailEnd type="triangle"/>
-              </a:ln>
-            </p:spPr>
-            <p:style>
-              <a:lnRef idx="1">
-                <a:schemeClr val="accent1"/>
-              </a:lnRef>
-              <a:fillRef idx="0">
-                <a:schemeClr val="accent1"/>
-              </a:fillRef>
-              <a:effectRef idx="0">
-                <a:schemeClr val="accent1"/>
-              </a:effectRef>
-              <a:fontRef idx="minor">
-                <a:schemeClr val="tx1"/>
-              </a:fontRef>
-            </p:style>
-          </p:cxnSp>
-          <p:sp>
-            <p:nvSpPr>
-              <p:cNvPr id="14" name="文本框 13">
-                <a:extLst>
-                  <a:ext uri="{FF2B5EF4-FFF2-40B4-BE49-F238E27FC236}">
-                    <a16:creationId xmlns:a16="http://schemas.microsoft.com/office/drawing/2014/main" id="{16244C11-7563-4B4D-86C7-DF53291B02A2}"/>
-                  </a:ext>
-                </a:extLst>
-              </p:cNvPr>
-              <p:cNvSpPr txBox="1"/>
-              <p:nvPr/>
-            </p:nvSpPr>
-            <p:spPr>
-              <a:xfrm>
-                <a:off x="4700389" y="2536205"/>
-                <a:ext cx="792080" cy="400110"/>
-              </a:xfrm>
-              <a:prstGeom prst="rect">
-                <a:avLst/>
-              </a:prstGeom>
-              <a:noFill/>
-            </p:spPr>
-            <p:txBody>
-              <a:bodyPr wrap="square" rtlCol="0">
-                <a:spAutoFit/>
-              </a:bodyPr>
-              <a:lstStyle/>
-              <a:p>
-                <a:r>
-                  <a:rPr lang="zh-CN" altLang="en-US" sz="2000" b="1" dirty="0">
-                    <a:latin typeface="华文仿宋" panose="02010600040101010101" pitchFamily="2" charset="-122"/>
-                    <a:ea typeface="华文仿宋" panose="02010600040101010101" pitchFamily="2" charset="-122"/>
-                  </a:rPr>
-                  <a:t>前端</a:t>
-                </a:r>
-              </a:p>
-            </p:txBody>
-          </p:sp>
-          <p:sp>
-            <p:nvSpPr>
-              <p:cNvPr id="15" name="文本框 14">
-                <a:extLst>
-                  <a:ext uri="{FF2B5EF4-FFF2-40B4-BE49-F238E27FC236}">
-                    <a16:creationId xmlns:a16="http://schemas.microsoft.com/office/drawing/2014/main" id="{1BB7C207-C69D-4E82-90A2-308BC4CF8D5F}"/>
-                  </a:ext>
-                </a:extLst>
-              </p:cNvPr>
-              <p:cNvSpPr txBox="1"/>
-              <p:nvPr/>
-            </p:nvSpPr>
-            <p:spPr>
-              <a:xfrm>
-                <a:off x="8840853" y="2900350"/>
-                <a:ext cx="792080" cy="400110"/>
-              </a:xfrm>
-              <a:prstGeom prst="rect">
-                <a:avLst/>
-              </a:prstGeom>
-              <a:noFill/>
-            </p:spPr>
-            <p:txBody>
-              <a:bodyPr wrap="square" rtlCol="0">
-                <a:spAutoFit/>
-              </a:bodyPr>
-              <a:lstStyle/>
-              <a:p>
-                <a:r>
-                  <a:rPr lang="zh-CN" altLang="en-US" sz="2000" b="1" dirty="0">
-                    <a:latin typeface="华文仿宋" panose="02010600040101010101" pitchFamily="2" charset="-122"/>
-                    <a:ea typeface="华文仿宋" panose="02010600040101010101" pitchFamily="2" charset="-122"/>
-                  </a:rPr>
-                  <a:t>后端</a:t>
-                </a:r>
-              </a:p>
-            </p:txBody>
-          </p:sp>
-          <p:grpSp>
-            <p:nvGrpSpPr>
-              <p:cNvPr id="18" name="组合 17">
-                <a:extLst>
-                  <a:ext uri="{FF2B5EF4-FFF2-40B4-BE49-F238E27FC236}">
-                    <a16:creationId xmlns:a16="http://schemas.microsoft.com/office/drawing/2014/main" id="{568E1FBF-A05C-4646-B363-E138813A2B26}"/>
-                  </a:ext>
-                </a:extLst>
-              </p:cNvPr>
-              <p:cNvGrpSpPr/>
-              <p:nvPr/>
-            </p:nvGrpSpPr>
-            <p:grpSpPr>
-              <a:xfrm>
-                <a:off x="5492469" y="3329161"/>
-                <a:ext cx="4464504" cy="679963"/>
-                <a:chOff x="5492469" y="3329163"/>
-                <a:chExt cx="4464504" cy="653294"/>
-              </a:xfrm>
-            </p:grpSpPr>
-            <p:sp>
-              <p:nvSpPr>
-                <p:cNvPr id="16" name="矩形 15">
-                  <a:hlinkClick r:id="rId4" action="ppaction://hlinksldjump"/>
-                  <a:extLst>
-                    <a:ext uri="{FF2B5EF4-FFF2-40B4-BE49-F238E27FC236}">
-                      <a16:creationId xmlns:a16="http://schemas.microsoft.com/office/drawing/2014/main" id="{D4F7AB0A-2731-4EF2-974F-41C32A3514B7}"/>
-                    </a:ext>
-                  </a:extLst>
-                </p:cNvPr>
-                <p:cNvSpPr/>
-                <p:nvPr/>
-              </p:nvSpPr>
-              <p:spPr>
-                <a:xfrm>
-                  <a:off x="5492469" y="3400301"/>
-                  <a:ext cx="3744416" cy="582156"/>
-                </a:xfrm>
-                <a:prstGeom prst="rect">
-                  <a:avLst/>
-                </a:prstGeom>
-                <a:solidFill>
-                  <a:schemeClr val="accent1">
-                    <a:lumMod val="40000"/>
-                    <a:lumOff val="60000"/>
-                  </a:schemeClr>
-                </a:solidFill>
-              </p:spPr>
-              <p:style>
-                <a:lnRef idx="2">
-                  <a:schemeClr val="accent1">
-                    <a:shade val="50000"/>
-                  </a:schemeClr>
-                </a:lnRef>
-                <a:fillRef idx="1">
-                  <a:schemeClr val="accent1"/>
-                </a:fillRef>
-                <a:effectRef idx="0">
-                  <a:schemeClr val="accent1"/>
-                </a:effectRef>
-                <a:fontRef idx="minor">
-                  <a:schemeClr val="lt1"/>
-                </a:fontRef>
-              </p:style>
-              <p:txBody>
-                <a:bodyPr rtlCol="0" anchor="ctr"/>
-                <a:lstStyle/>
-                <a:p>
-                  <a:pPr algn="ctr"/>
-                  <a:endParaRPr lang="zh-CN" altLang="en-US">
-                    <a:solidFill>
-                      <a:srgbClr val="FFC000"/>
-                    </a:solidFill>
-                  </a:endParaRPr>
-                </a:p>
-              </p:txBody>
-            </p:sp>
-            <p:sp>
-              <p:nvSpPr>
-                <p:cNvPr id="17" name="文本框 16">
-                  <a:extLst>
-                    <a:ext uri="{FF2B5EF4-FFF2-40B4-BE49-F238E27FC236}">
-                      <a16:creationId xmlns:a16="http://schemas.microsoft.com/office/drawing/2014/main" id="{382E63DA-D63C-493D-A2A1-F69A5E1F0DD2}"/>
-                    </a:ext>
-                  </a:extLst>
-                </p:cNvPr>
-                <p:cNvSpPr txBox="1"/>
-                <p:nvPr/>
-              </p:nvSpPr>
-              <p:spPr>
-                <a:xfrm>
-                  <a:off x="6212557" y="3329163"/>
-                  <a:ext cx="3744416" cy="620981"/>
-                </a:xfrm>
-                <a:prstGeom prst="rect">
-                  <a:avLst/>
-                </a:prstGeom>
-                <a:noFill/>
-              </p:spPr>
-              <p:txBody>
-                <a:bodyPr wrap="square" rtlCol="0">
-                  <a:spAutoFit/>
-                </a:bodyPr>
-                <a:lstStyle/>
-                <a:p>
-                  <a:r>
-                    <a:rPr lang="en-US" altLang="zh-CN" sz="3600" dirty="0">
-                      <a:solidFill>
-                        <a:schemeClr val="bg1"/>
-                      </a:solidFill>
-                    </a:rPr>
-                    <a:t>Controllers</a:t>
-                  </a:r>
-                  <a:endParaRPr lang="zh-CN" altLang="en-US" sz="3600" dirty="0">
-                    <a:solidFill>
-                      <a:schemeClr val="bg1"/>
-                    </a:solidFill>
-                  </a:endParaRPr>
-                </a:p>
-              </p:txBody>
-            </p:sp>
-          </p:grpSp>
-          <p:sp>
-            <p:nvSpPr>
-              <p:cNvPr id="19" name="文本框 18">
-                <a:extLst>
-                  <a:ext uri="{FF2B5EF4-FFF2-40B4-BE49-F238E27FC236}">
-                    <a16:creationId xmlns:a16="http://schemas.microsoft.com/office/drawing/2014/main" id="{198EEAF6-B378-43CC-AF7B-62E74423C40E}"/>
-                  </a:ext>
-                </a:extLst>
-              </p:cNvPr>
-              <p:cNvSpPr txBox="1"/>
-              <p:nvPr/>
-            </p:nvSpPr>
-            <p:spPr>
-              <a:xfrm>
-                <a:off x="5852522" y="2541720"/>
-                <a:ext cx="1152124" cy="369332"/>
-              </a:xfrm>
-              <a:prstGeom prst="rect">
-                <a:avLst/>
-              </a:prstGeom>
-              <a:noFill/>
-            </p:spPr>
-            <p:txBody>
-              <a:bodyPr wrap="square" rtlCol="0">
-                <a:spAutoFit/>
-              </a:bodyPr>
-              <a:lstStyle/>
-              <a:p>
-                <a:r>
-                  <a:rPr lang="en-US" altLang="zh-CN" dirty="0"/>
-                  <a:t>Request</a:t>
-                </a:r>
-                <a:endParaRPr lang="zh-CN" altLang="en-US" dirty="0"/>
-              </a:p>
-            </p:txBody>
-          </p:sp>
-          <p:sp>
-            <p:nvSpPr>
-              <p:cNvPr id="20" name="文本框 19">
-                <a:extLst>
-                  <a:ext uri="{FF2B5EF4-FFF2-40B4-BE49-F238E27FC236}">
-                    <a16:creationId xmlns:a16="http://schemas.microsoft.com/office/drawing/2014/main" id="{804E45BF-8863-421A-B65F-BD35A463C419}"/>
-                  </a:ext>
-                </a:extLst>
-              </p:cNvPr>
-              <p:cNvSpPr txBox="1"/>
-              <p:nvPr/>
-            </p:nvSpPr>
-            <p:spPr>
-              <a:xfrm>
-                <a:off x="7724733" y="2871647"/>
-                <a:ext cx="1152124" cy="369332"/>
-              </a:xfrm>
-              <a:prstGeom prst="rect">
-                <a:avLst/>
-              </a:prstGeom>
-              <a:noFill/>
-            </p:spPr>
-            <p:txBody>
-              <a:bodyPr wrap="square" rtlCol="0">
-                <a:spAutoFit/>
-              </a:bodyPr>
-              <a:lstStyle/>
-              <a:p>
-                <a:r>
-                  <a:rPr lang="en-US" altLang="zh-CN" dirty="0"/>
-                  <a:t>Response</a:t>
-                </a:r>
-                <a:endParaRPr lang="zh-CN" altLang="en-US" dirty="0"/>
-              </a:p>
-            </p:txBody>
-          </p:sp>
-          <p:cxnSp>
-            <p:nvCxnSpPr>
-              <p:cNvPr id="24" name="直接箭头连接符 23">
-                <a:extLst>
-                  <a:ext uri="{FF2B5EF4-FFF2-40B4-BE49-F238E27FC236}">
-                    <a16:creationId xmlns:a16="http://schemas.microsoft.com/office/drawing/2014/main" id="{7A9E7DD1-5DE4-47E5-A576-A229F691CC7D}"/>
-                  </a:ext>
-                </a:extLst>
-              </p:cNvPr>
-              <p:cNvCxnSpPr>
-                <a:cxnSpLocks/>
-              </p:cNvCxnSpPr>
-              <p:nvPr/>
-            </p:nvCxnSpPr>
-            <p:spPr>
-              <a:xfrm>
-                <a:off x="5852517" y="4042928"/>
-                <a:ext cx="0" cy="549806"/>
-              </a:xfrm>
-              <a:prstGeom prst="straightConnector1">
-                <a:avLst/>
-              </a:prstGeom>
-              <a:ln w="38100">
-                <a:tailEnd type="triangle"/>
-              </a:ln>
-            </p:spPr>
-            <p:style>
-              <a:lnRef idx="1">
-                <a:schemeClr val="accent1"/>
-              </a:lnRef>
-              <a:fillRef idx="0">
-                <a:schemeClr val="accent1"/>
-              </a:fillRef>
-              <a:effectRef idx="0">
-                <a:schemeClr val="accent1"/>
-              </a:effectRef>
-              <a:fontRef idx="minor">
-                <a:schemeClr val="tx1"/>
-              </a:fontRef>
-            </p:style>
-          </p:cxnSp>
-          <p:cxnSp>
-            <p:nvCxnSpPr>
-              <p:cNvPr id="26" name="直接箭头连接符 25">
-                <a:extLst>
-                  <a:ext uri="{FF2B5EF4-FFF2-40B4-BE49-F238E27FC236}">
-                    <a16:creationId xmlns:a16="http://schemas.microsoft.com/office/drawing/2014/main" id="{2A88F953-0303-4383-8D81-1F66BFBE3D85}"/>
-                  </a:ext>
-                </a:extLst>
-              </p:cNvPr>
-              <p:cNvCxnSpPr>
-                <a:cxnSpLocks/>
-              </p:cNvCxnSpPr>
-              <p:nvPr/>
-            </p:nvCxnSpPr>
-            <p:spPr>
-              <a:xfrm flipV="1">
-                <a:off x="8804845" y="4009124"/>
-                <a:ext cx="8279" cy="903345"/>
-              </a:xfrm>
-              <a:prstGeom prst="straightConnector1">
-                <a:avLst/>
-              </a:prstGeom>
-              <a:ln w="38100">
-                <a:tailEnd type="triangle"/>
-              </a:ln>
-            </p:spPr>
-            <p:style>
-              <a:lnRef idx="1">
-                <a:schemeClr val="accent1"/>
-              </a:lnRef>
-              <a:fillRef idx="0">
-                <a:schemeClr val="accent1"/>
-              </a:fillRef>
-              <a:effectRef idx="0">
-                <a:schemeClr val="accent1"/>
-              </a:effectRef>
-              <a:fontRef idx="minor">
-                <a:schemeClr val="tx1"/>
-              </a:fontRef>
-            </p:style>
-          </p:cxnSp>
-          <p:sp>
-            <p:nvSpPr>
-              <p:cNvPr id="28" name="矩形 27">
-                <a:extLst>
-                  <a:ext uri="{FF2B5EF4-FFF2-40B4-BE49-F238E27FC236}">
-                    <a16:creationId xmlns:a16="http://schemas.microsoft.com/office/drawing/2014/main" id="{C6BA665A-F4F7-4B23-A105-8E997417EEE1}"/>
-                  </a:ext>
-                </a:extLst>
-              </p:cNvPr>
-              <p:cNvSpPr/>
-              <p:nvPr/>
-            </p:nvSpPr>
-            <p:spPr>
-              <a:xfrm>
-                <a:off x="7566140" y="5987919"/>
-                <a:ext cx="1728192" cy="504057"/>
-              </a:xfrm>
-              <a:prstGeom prst="rect">
-                <a:avLst/>
-              </a:prstGeom>
-              <a:solidFill>
-                <a:srgbClr val="FF8607"/>
-              </a:solidFill>
-            </p:spPr>
-            <p:style>
-              <a:lnRef idx="2">
-                <a:schemeClr val="accent1">
-                  <a:shade val="50000"/>
-                </a:schemeClr>
-              </a:lnRef>
-              <a:fillRef idx="1">
-                <a:schemeClr val="accent1"/>
-              </a:fillRef>
-              <a:effectRef idx="0">
-                <a:schemeClr val="accent1"/>
-              </a:effectRef>
-              <a:fontRef idx="minor">
-                <a:schemeClr val="lt1"/>
-              </a:fontRef>
-            </p:style>
-            <p:txBody>
-              <a:bodyPr rtlCol="0" anchor="ctr"/>
-              <a:lstStyle/>
-              <a:p>
-                <a:pPr algn="ctr"/>
-                <a:endParaRPr lang="zh-CN" altLang="en-US"/>
-              </a:p>
-            </p:txBody>
-          </p:sp>
-          <p:sp>
-            <p:nvSpPr>
-              <p:cNvPr id="29" name="文本框 28">
-                <a:hlinkClick r:id="rId5" action="ppaction://hlinksldjump"/>
-                <a:extLst>
-                  <a:ext uri="{FF2B5EF4-FFF2-40B4-BE49-F238E27FC236}">
-                    <a16:creationId xmlns:a16="http://schemas.microsoft.com/office/drawing/2014/main" id="{3D5B7BD8-F681-45B2-A8B0-AE99BC4DCBD0}"/>
-                  </a:ext>
-                </a:extLst>
-              </p:cNvPr>
-              <p:cNvSpPr txBox="1"/>
-              <p:nvPr/>
-            </p:nvSpPr>
-            <p:spPr>
-              <a:xfrm>
-                <a:off x="7747794" y="6032474"/>
-                <a:ext cx="1728192" cy="400110"/>
-              </a:xfrm>
-              <a:prstGeom prst="rect">
-                <a:avLst/>
-              </a:prstGeom>
-              <a:noFill/>
-            </p:spPr>
-            <p:txBody>
-              <a:bodyPr wrap="square" rtlCol="0">
-                <a:spAutoFit/>
-              </a:bodyPr>
-              <a:lstStyle/>
-              <a:p>
-                <a:r>
-                  <a:rPr lang="en-US" altLang="zh-CN" sz="2000" dirty="0">
-                    <a:solidFill>
-                      <a:schemeClr val="bg1"/>
-                    </a:solidFill>
-                  </a:rPr>
-                  <a:t>Redis cache</a:t>
-                </a:r>
-                <a:endParaRPr lang="zh-CN" altLang="en-US" sz="2000" dirty="0">
-                  <a:solidFill>
-                    <a:schemeClr val="bg1"/>
-                  </a:solidFill>
-                </a:endParaRPr>
-              </a:p>
-            </p:txBody>
-          </p:sp>
-          <p:cxnSp>
-            <p:nvCxnSpPr>
-              <p:cNvPr id="31" name="直接箭头连接符 30">
-                <a:extLst>
-                  <a:ext uri="{FF2B5EF4-FFF2-40B4-BE49-F238E27FC236}">
-                    <a16:creationId xmlns:a16="http://schemas.microsoft.com/office/drawing/2014/main" id="{14914A5A-6CF3-4882-BF79-1FFEE8B17F29}"/>
-                  </a:ext>
-                </a:extLst>
-              </p:cNvPr>
-              <p:cNvCxnSpPr>
-                <a:cxnSpLocks/>
-              </p:cNvCxnSpPr>
-              <p:nvPr/>
-            </p:nvCxnSpPr>
-            <p:spPr>
-              <a:xfrm flipH="1" flipV="1">
-                <a:off x="8840853" y="5346284"/>
-                <a:ext cx="8279" cy="608179"/>
-              </a:xfrm>
-              <a:prstGeom prst="straightConnector1">
-                <a:avLst/>
-              </a:prstGeom>
-              <a:ln w="38100">
-                <a:tailEnd type="triangle"/>
-              </a:ln>
-            </p:spPr>
-            <p:style>
-              <a:lnRef idx="1">
-                <a:schemeClr val="accent1"/>
-              </a:lnRef>
-              <a:fillRef idx="0">
-                <a:schemeClr val="accent1"/>
-              </a:fillRef>
-              <a:effectRef idx="0">
-                <a:schemeClr val="accent1"/>
-              </a:effectRef>
-              <a:fontRef idx="minor">
-                <a:schemeClr val="tx1"/>
-              </a:fontRef>
-            </p:style>
-          </p:cxnSp>
-          <p:cxnSp>
-            <p:nvCxnSpPr>
-              <p:cNvPr id="33" name="直接箭头连接符 32">
-                <a:extLst>
-                  <a:ext uri="{FF2B5EF4-FFF2-40B4-BE49-F238E27FC236}">
-                    <a16:creationId xmlns:a16="http://schemas.microsoft.com/office/drawing/2014/main" id="{C45A6B01-5214-4DAC-BD7C-BD1C7F0C51A5}"/>
-                  </a:ext>
-                </a:extLst>
-              </p:cNvPr>
-              <p:cNvCxnSpPr>
-                <a:cxnSpLocks/>
-              </p:cNvCxnSpPr>
-              <p:nvPr/>
-            </p:nvCxnSpPr>
-            <p:spPr>
-              <a:xfrm flipV="1">
-                <a:off x="6212557" y="5392231"/>
-                <a:ext cx="0" cy="1680084"/>
-              </a:xfrm>
-              <a:prstGeom prst="straightConnector1">
-                <a:avLst/>
-              </a:prstGeom>
-              <a:ln w="38100">
-                <a:tailEnd type="triangle"/>
-              </a:ln>
-            </p:spPr>
-            <p:style>
-              <a:lnRef idx="1">
-                <a:schemeClr val="accent1"/>
-              </a:lnRef>
-              <a:fillRef idx="0">
-                <a:schemeClr val="accent1"/>
-              </a:fillRef>
-              <a:effectRef idx="0">
-                <a:schemeClr val="accent1"/>
-              </a:effectRef>
-              <a:fontRef idx="minor">
-                <a:schemeClr val="tx1"/>
-              </a:fontRef>
-            </p:style>
-          </p:cxnSp>
-          <p:cxnSp>
-            <p:nvCxnSpPr>
-              <p:cNvPr id="38" name="直接箭头连接符 37">
-                <a:extLst>
-                  <a:ext uri="{FF2B5EF4-FFF2-40B4-BE49-F238E27FC236}">
-                    <a16:creationId xmlns:a16="http://schemas.microsoft.com/office/drawing/2014/main" id="{E98106E8-F07A-46DE-8AF1-3699F8BFE9F4}"/>
-                  </a:ext>
-                </a:extLst>
-              </p:cNvPr>
-              <p:cNvCxnSpPr>
-                <a:cxnSpLocks/>
-              </p:cNvCxnSpPr>
-              <p:nvPr/>
-            </p:nvCxnSpPr>
-            <p:spPr>
-              <a:xfrm>
-                <a:off x="8514904" y="5392231"/>
-                <a:ext cx="0" cy="595688"/>
-              </a:xfrm>
-              <a:prstGeom prst="straightConnector1">
-                <a:avLst/>
-              </a:prstGeom>
-              <a:ln w="38100">
-                <a:tailEnd type="triangle"/>
-              </a:ln>
-            </p:spPr>
-            <p:style>
-              <a:lnRef idx="1">
-                <a:schemeClr val="accent1"/>
-              </a:lnRef>
-              <a:fillRef idx="0">
-                <a:schemeClr val="accent1"/>
-              </a:fillRef>
-              <a:effectRef idx="0">
-                <a:schemeClr val="accent1"/>
-              </a:effectRef>
-              <a:fontRef idx="minor">
-                <a:schemeClr val="tx1"/>
-              </a:fontRef>
-            </p:style>
-          </p:cxnSp>
-          <p:sp>
-            <p:nvSpPr>
-              <p:cNvPr id="40" name="矩形: 圆角 39">
-                <a:hlinkClick r:id="rId6" action="ppaction://hlinksldjump"/>
-                <a:extLst>
-                  <a:ext uri="{FF2B5EF4-FFF2-40B4-BE49-F238E27FC236}">
-                    <a16:creationId xmlns:a16="http://schemas.microsoft.com/office/drawing/2014/main" id="{B1BAE07C-1546-40C6-B88F-86EF2C37C07A}"/>
-                  </a:ext>
-                </a:extLst>
-              </p:cNvPr>
-              <p:cNvSpPr/>
-              <p:nvPr/>
-            </p:nvSpPr>
-            <p:spPr>
-              <a:xfrm>
-                <a:off x="5492469" y="4637289"/>
-                <a:ext cx="3744416" cy="792088"/>
-              </a:xfrm>
-              <a:prstGeom prst="roundRect">
-                <a:avLst/>
-              </a:prstGeom>
-              <a:solidFill>
-                <a:srgbClr val="0070C0"/>
-              </a:solidFill>
-            </p:spPr>
-            <p:style>
-              <a:lnRef idx="2">
-                <a:schemeClr val="accent1">
-                  <a:shade val="50000"/>
-                </a:schemeClr>
-              </a:lnRef>
-              <a:fillRef idx="1">
-                <a:schemeClr val="accent1"/>
-              </a:fillRef>
-              <a:effectRef idx="0">
-                <a:schemeClr val="accent1"/>
-              </a:effectRef>
-              <a:fontRef idx="minor">
-                <a:schemeClr val="lt1"/>
-              </a:fontRef>
-            </p:style>
-            <p:txBody>
-              <a:bodyPr rtlCol="0" anchor="ctr"/>
-              <a:lstStyle/>
-              <a:p>
-                <a:pPr algn="ctr"/>
-                <a:endParaRPr lang="zh-CN" altLang="en-US"/>
-              </a:p>
-            </p:txBody>
-          </p:sp>
-          <p:sp>
-            <p:nvSpPr>
-              <p:cNvPr id="41" name="文本框 40">
-                <a:extLst>
-                  <a:ext uri="{FF2B5EF4-FFF2-40B4-BE49-F238E27FC236}">
-                    <a16:creationId xmlns:a16="http://schemas.microsoft.com/office/drawing/2014/main" id="{9638CF32-5724-4067-B823-53EC5586A666}"/>
-                  </a:ext>
-                </a:extLst>
-              </p:cNvPr>
-              <p:cNvSpPr txBox="1"/>
-              <p:nvPr/>
-            </p:nvSpPr>
-            <p:spPr>
-              <a:xfrm>
-                <a:off x="6032529" y="4818637"/>
-                <a:ext cx="2664296" cy="400110"/>
-              </a:xfrm>
-              <a:prstGeom prst="rect">
-                <a:avLst/>
-              </a:prstGeom>
-              <a:noFill/>
-            </p:spPr>
-            <p:txBody>
-              <a:bodyPr wrap="square" rtlCol="0">
-                <a:spAutoFit/>
-              </a:bodyPr>
-              <a:lstStyle/>
-              <a:p>
-                <a:r>
-                  <a:rPr lang="en-US" altLang="zh-CN" sz="2000" b="1" dirty="0">
-                    <a:solidFill>
-                      <a:schemeClr val="bg1"/>
-                    </a:solidFill>
-                  </a:rPr>
-                  <a:t>              ORM</a:t>
-                </a:r>
-                <a:endParaRPr lang="zh-CN" altLang="en-US" sz="2000" b="1" dirty="0">
-                  <a:solidFill>
-                    <a:schemeClr val="bg1"/>
-                  </a:solidFill>
-                </a:endParaRPr>
-              </a:p>
-            </p:txBody>
-          </p:sp>
-          <p:cxnSp>
-            <p:nvCxnSpPr>
-              <p:cNvPr id="42" name="直接箭头连接符 41">
-                <a:extLst>
-                  <a:ext uri="{FF2B5EF4-FFF2-40B4-BE49-F238E27FC236}">
-                    <a16:creationId xmlns:a16="http://schemas.microsoft.com/office/drawing/2014/main" id="{49D2C30B-7CE1-4B2B-8100-9944B4E1D80F}"/>
-                  </a:ext>
-                </a:extLst>
-              </p:cNvPr>
-              <p:cNvCxnSpPr>
-                <a:cxnSpLocks/>
-              </p:cNvCxnSpPr>
-              <p:nvPr/>
-            </p:nvCxnSpPr>
-            <p:spPr>
-              <a:xfrm>
-                <a:off x="5852517" y="5392231"/>
-                <a:ext cx="0" cy="1680478"/>
-              </a:xfrm>
-              <a:prstGeom prst="straightConnector1">
-                <a:avLst/>
-              </a:prstGeom>
-              <a:ln w="38100">
-                <a:tailEnd type="triangle"/>
-              </a:ln>
-            </p:spPr>
-            <p:style>
-              <a:lnRef idx="1">
-                <a:schemeClr val="accent1"/>
-              </a:lnRef>
-              <a:fillRef idx="0">
-                <a:schemeClr val="accent1"/>
-              </a:fillRef>
-              <a:effectRef idx="0">
-                <a:schemeClr val="accent1"/>
-              </a:effectRef>
-              <a:fontRef idx="minor">
-                <a:schemeClr val="tx1"/>
-              </a:fontRef>
-            </p:style>
-          </p:cxnSp>
-          <p:cxnSp>
-            <p:nvCxnSpPr>
-              <p:cNvPr id="44" name="直接箭头连接符 43">
-                <a:extLst>
-                  <a:ext uri="{FF2B5EF4-FFF2-40B4-BE49-F238E27FC236}">
-                    <a16:creationId xmlns:a16="http://schemas.microsoft.com/office/drawing/2014/main" id="{88736B7F-4198-4659-876A-8F0D6D242C13}"/>
-                  </a:ext>
-                </a:extLst>
-              </p:cNvPr>
-              <p:cNvCxnSpPr>
-                <a:cxnSpLocks/>
-              </p:cNvCxnSpPr>
-              <p:nvPr/>
-            </p:nvCxnSpPr>
-            <p:spPr>
-              <a:xfrm flipV="1">
-                <a:off x="8514904" y="6491976"/>
-                <a:ext cx="0" cy="580734"/>
-              </a:xfrm>
-              <a:prstGeom prst="straightConnector1">
-                <a:avLst/>
-              </a:prstGeom>
-              <a:ln w="38100">
-                <a:tailEnd type="triangle"/>
-              </a:ln>
-            </p:spPr>
-            <p:style>
-              <a:lnRef idx="1">
-                <a:schemeClr val="accent1"/>
-              </a:lnRef>
-              <a:fillRef idx="0">
-                <a:schemeClr val="accent1"/>
-              </a:fillRef>
-              <a:effectRef idx="0">
-                <a:schemeClr val="accent1"/>
-              </a:effectRef>
-              <a:fontRef idx="minor">
-                <a:schemeClr val="tx1"/>
-              </a:fontRef>
-            </p:style>
-          </p:cxnSp>
-          <p:grpSp>
-            <p:nvGrpSpPr>
-              <p:cNvPr id="47" name="组合 46">
-                <a:extLst>
-                  <a:ext uri="{FF2B5EF4-FFF2-40B4-BE49-F238E27FC236}">
-                    <a16:creationId xmlns:a16="http://schemas.microsoft.com/office/drawing/2014/main" id="{798B47EC-10B4-4810-A595-4C034FA5BDB9}"/>
-                  </a:ext>
-                </a:extLst>
-              </p:cNvPr>
-              <p:cNvGrpSpPr/>
-              <p:nvPr/>
-            </p:nvGrpSpPr>
-            <p:grpSpPr>
-              <a:xfrm>
-                <a:off x="5492469" y="7047961"/>
-                <a:ext cx="4356247" cy="646330"/>
-                <a:chOff x="9524925" y="5204412"/>
-                <a:chExt cx="4356247" cy="620981"/>
-              </a:xfrm>
-            </p:grpSpPr>
-            <p:sp>
-              <p:nvSpPr>
-                <p:cNvPr id="48" name="矩形 47">
-                  <a:extLst>
-                    <a:ext uri="{FF2B5EF4-FFF2-40B4-BE49-F238E27FC236}">
-                      <a16:creationId xmlns:a16="http://schemas.microsoft.com/office/drawing/2014/main" id="{4F4D5983-411E-419B-BA8D-EA83C742657D}"/>
-                    </a:ext>
-                  </a:extLst>
-                </p:cNvPr>
-                <p:cNvSpPr/>
-                <p:nvPr/>
-              </p:nvSpPr>
-              <p:spPr>
-                <a:xfrm>
-                  <a:off x="9524925" y="5227810"/>
-                  <a:ext cx="3744416" cy="582156"/>
-                </a:xfrm>
-                <a:prstGeom prst="rect">
-                  <a:avLst/>
-                </a:prstGeom>
-                <a:solidFill>
-                  <a:schemeClr val="accent1">
-                    <a:lumMod val="40000"/>
-                    <a:lumOff val="60000"/>
-                  </a:schemeClr>
-                </a:solidFill>
-              </p:spPr>
-              <p:style>
-                <a:lnRef idx="2">
-                  <a:schemeClr val="accent1">
-                    <a:shade val="50000"/>
-                  </a:schemeClr>
-                </a:lnRef>
-                <a:fillRef idx="1">
-                  <a:schemeClr val="accent1"/>
-                </a:fillRef>
-                <a:effectRef idx="0">
-                  <a:schemeClr val="accent1"/>
-                </a:effectRef>
-                <a:fontRef idx="minor">
-                  <a:schemeClr val="lt1"/>
-                </a:fontRef>
-              </p:style>
-              <p:txBody>
-                <a:bodyPr rtlCol="0" anchor="ctr"/>
-                <a:lstStyle/>
-                <a:p>
-                  <a:pPr algn="ctr"/>
-                  <a:endParaRPr lang="zh-CN" altLang="en-US">
-                    <a:solidFill>
-                      <a:srgbClr val="FFC000"/>
-                    </a:solidFill>
-                  </a:endParaRPr>
-                </a:p>
-              </p:txBody>
-            </p:sp>
-            <p:sp>
-              <p:nvSpPr>
-                <p:cNvPr id="49" name="文本框 48">
-                  <a:extLst>
-                    <a:ext uri="{FF2B5EF4-FFF2-40B4-BE49-F238E27FC236}">
-                      <a16:creationId xmlns:a16="http://schemas.microsoft.com/office/drawing/2014/main" id="{D365C1C8-A644-4236-871A-C2EB58C5270B}"/>
-                    </a:ext>
-                  </a:extLst>
-                </p:cNvPr>
-                <p:cNvSpPr txBox="1"/>
-                <p:nvPr/>
-              </p:nvSpPr>
-              <p:spPr>
-                <a:xfrm>
-                  <a:off x="10136756" y="5204412"/>
-                  <a:ext cx="3744416" cy="620981"/>
-                </a:xfrm>
-                <a:prstGeom prst="rect">
-                  <a:avLst/>
-                </a:prstGeom>
-                <a:noFill/>
-              </p:spPr>
-              <p:txBody>
-                <a:bodyPr wrap="square" rtlCol="0">
-                  <a:spAutoFit/>
-                </a:bodyPr>
-                <a:lstStyle/>
-                <a:p>
-                  <a:r>
-                    <a:rPr lang="en-US" altLang="zh-CN" sz="3600" dirty="0">
-                      <a:solidFill>
-                        <a:schemeClr val="bg1"/>
-                      </a:solidFill>
-                    </a:rPr>
-                    <a:t>SQL server</a:t>
-                  </a:r>
-                  <a:endParaRPr lang="zh-CN" altLang="en-US" sz="3600" dirty="0">
-                    <a:solidFill>
-                      <a:schemeClr val="bg1"/>
-                    </a:solidFill>
-                  </a:endParaRPr>
-                </a:p>
-              </p:txBody>
-            </p:sp>
-          </p:grpSp>
-        </p:grpSp>
-        <p:cxnSp>
-          <p:nvCxnSpPr>
-            <p:cNvPr id="43" name="直接箭头连接符 42">
-              <a:extLst>
-                <a:ext uri="{FF2B5EF4-FFF2-40B4-BE49-F238E27FC236}">
-                  <a16:creationId xmlns:a16="http://schemas.microsoft.com/office/drawing/2014/main" id="{90C722F7-66F0-45EB-8E8E-FBEF7913F0C9}"/>
-                </a:ext>
-              </a:extLst>
-            </p:cNvPr>
-            <p:cNvCxnSpPr>
-              <a:cxnSpLocks/>
-            </p:cNvCxnSpPr>
-            <p:nvPr/>
-          </p:nvCxnSpPr>
-          <p:spPr>
-            <a:xfrm>
-              <a:off x="9460932" y="6771809"/>
-              <a:ext cx="0" cy="595688"/>
-            </a:xfrm>
-            <a:prstGeom prst="straightConnector1">
-              <a:avLst/>
-            </a:prstGeom>
-            <a:ln w="38100">
-              <a:tailEnd type="triangle"/>
-            </a:ln>
-          </p:spPr>
-          <p:style>
-            <a:lnRef idx="1">
-              <a:schemeClr val="accent1"/>
-            </a:lnRef>
-            <a:fillRef idx="0">
-              <a:schemeClr val="accent1"/>
-            </a:fillRef>
-            <a:effectRef idx="0">
-              <a:schemeClr val="accent1"/>
-            </a:effectRef>
-            <a:fontRef idx="minor">
-              <a:schemeClr val="tx1"/>
-            </a:fontRef>
-          </p:style>
-        </p:cxnSp>
       </p:grpSp>
     </p:spTree>
     <p:extLst>
@@ -9893,14 +9785,36 @@
                             </p:stCondLst>
                             <p:childTnLst>
                               <p:par>
-                                <p:cTn id="5" presetID="10" presetClass="exit" presetSubtype="0" fill="hold" grpId="0" nodeType="clickEffect">
+                                <p:cTn id="5" presetID="42" presetClass="path" presetSubtype="0" accel="50000" decel="50000" fill="hold" nodeType="clickEffect">
+                                  <p:stCondLst>
+                                    <p:cond delay="0"/>
+                                  </p:stCondLst>
+                                  <p:childTnLst>
+                                    <p:animMotion origin="layout" path="M 3.2362E-6 -4.52151E-6 L 0.00061 -0.31716 " pathEditMode="relative" rAng="0" ptsTypes="AA">
+                                      <p:cBhvr>
+                                        <p:cTn id="6" dur="2000" fill="hold"/>
+                                        <p:tgtEl>
+                                          <p:spTgt spid="55"/>
+                                        </p:tgtEl>
+                                        <p:attrNameLst>
+                                          <p:attrName>ppt_x</p:attrName>
+                                          <p:attrName>ppt_y</p:attrName>
+                                        </p:attrNameLst>
+                                      </p:cBhvr>
+                                      <p:rCtr x="25" y="-15869"/>
+                                    </p:animMotion>
+                                  </p:childTnLst>
+                                </p:cTn>
+                              </p:par>
+                              <p:par>
+                                <p:cTn id="7" presetID="10" presetClass="exit" presetSubtype="0" fill="hold" grpId="0" nodeType="withEffect">
                                   <p:stCondLst>
                                     <p:cond delay="0"/>
                                   </p:stCondLst>
                                   <p:childTnLst>
                                     <p:animEffect transition="out" filter="fade">
                                       <p:cBhvr>
-                                        <p:cTn id="6" dur="500"/>
+                                        <p:cTn id="8" dur="500"/>
                                         <p:tgtEl>
                                           <p:spTgt spid="21"/>
                                         </p:tgtEl>
@@ -9908,7 +9822,7 @@
                                     </p:animEffect>
                                     <p:set>
                                       <p:cBhvr>
-                                        <p:cTn id="7" dur="1" fill="hold">
+                                        <p:cTn id="9" dur="1" fill="hold">
                                           <p:stCondLst>
                                             <p:cond delay="499"/>
                                           </p:stCondLst>
@@ -9928,14 +9842,14 @@
                                 </p:cTn>
                               </p:par>
                               <p:par>
-                                <p:cTn id="8" presetID="10" presetClass="exit" presetSubtype="0" fill="hold" grpId="0" nodeType="withEffect">
+                                <p:cTn id="10" presetID="10" presetClass="exit" presetSubtype="0" fill="hold" grpId="0" nodeType="withEffect">
                                   <p:stCondLst>
                                     <p:cond delay="0"/>
                                   </p:stCondLst>
                                   <p:childTnLst>
                                     <p:animEffect transition="out" filter="fade">
                                       <p:cBhvr>
-                                        <p:cTn id="9" dur="500"/>
+                                        <p:cTn id="11" dur="500"/>
                                         <p:tgtEl>
                                           <p:spTgt spid="22"/>
                                         </p:tgtEl>
@@ -9943,7 +9857,7 @@
                                     </p:animEffect>
                                     <p:set>
                                       <p:cBhvr>
-                                        <p:cTn id="10" dur="1" fill="hold">
+                                        <p:cTn id="12" dur="1" fill="hold">
                                           <p:stCondLst>
                                             <p:cond delay="499"/>
                                           </p:stCondLst>
@@ -9963,14 +9877,14 @@
                                 </p:cTn>
                               </p:par>
                               <p:par>
-                                <p:cTn id="11" presetID="10" presetClass="exit" presetSubtype="0" fill="hold" grpId="0" nodeType="withEffect">
+                                <p:cTn id="13" presetID="10" presetClass="exit" presetSubtype="0" fill="hold" grpId="0" nodeType="withEffect">
                                   <p:stCondLst>
                                     <p:cond delay="0"/>
                                   </p:stCondLst>
                                   <p:childTnLst>
                                     <p:animEffect transition="out" filter="fade">
                                       <p:cBhvr>
-                                        <p:cTn id="12" dur="500"/>
+                                        <p:cTn id="14" dur="500"/>
                                         <p:tgtEl>
                                           <p:spTgt spid="23"/>
                                         </p:tgtEl>
@@ -9978,7 +9892,7 @@
                                     </p:animEffect>
                                     <p:set>
                                       <p:cBhvr>
-                                        <p:cTn id="13" dur="1" fill="hold">
+                                        <p:cTn id="15" dur="1" fill="hold">
                                           <p:stCondLst>
                                             <p:cond delay="499"/>
                                           </p:stCondLst>
@@ -10001,20 +9915,20 @@
                           </p:cTn>
                         </p:par>
                         <p:par>
-                          <p:cTn id="14" fill="hold">
+                          <p:cTn id="16" fill="hold">
                             <p:stCondLst>
-                              <p:cond delay="500"/>
+                              <p:cond delay="2000"/>
                             </p:stCondLst>
                             <p:childTnLst>
                               <p:par>
-                                <p:cTn id="15" presetID="10" presetClass="entr" presetSubtype="0" fill="hold" nodeType="afterEffect">
+                                <p:cTn id="17" presetID="10" presetClass="entr" presetSubtype="0" fill="hold" nodeType="afterEffect">
                                   <p:stCondLst>
                                     <p:cond delay="0"/>
                                   </p:stCondLst>
                                   <p:childTnLst>
                                     <p:set>
                                       <p:cBhvr>
-                                        <p:cTn id="16" dur="1" fill="hold">
+                                        <p:cTn id="18" dur="1" fill="hold">
                                           <p:stCondLst>
                                             <p:cond delay="0"/>
                                           </p:stCondLst>
@@ -10032,34 +9946,12 @@
                                     </p:set>
                                     <p:animEffect transition="in" filter="fade">
                                       <p:cBhvr>
-                                        <p:cTn id="17" dur="500"/>
+                                        <p:cTn id="19" dur="500"/>
                                         <p:tgtEl>
                                           <p:spTgt spid="54"/>
                                         </p:tgtEl>
                                       </p:cBhvr>
                                     </p:animEffect>
-                                  </p:childTnLst>
-                                </p:cTn>
-                              </p:par>
-                              <p:par>
-                                <p:cTn id="18" presetID="42" presetClass="path" presetSubtype="0" accel="50000" decel="50000" fill="hold" nodeType="withEffect">
-                                  <p:stCondLst>
-                                    <p:cond delay="0"/>
-                                  </p:stCondLst>
-                                  <p:childTnLst>
-                                    <p:animMotion origin="layout" path="M 2.74478E-6 2.56365E-6 L -0.0021 -0.33714 " pathEditMode="relative" rAng="0" ptsTypes="AA">
-                                      <p:cBhvr>
-                                        <p:cTn id="19" dur="2000" fill="hold"/>
-                                        <p:tgtEl>
-                                          <p:spTgt spid="12"/>
-                                        </p:tgtEl>
-                                        <p:attrNameLst>
-                                          <p:attrName>ppt_x</p:attrName>
-                                          <p:attrName>ppt_y</p:attrName>
-                                        </p:attrNameLst>
-                                      </p:cBhvr>
-                                      <p:rCtr x="-111" y="-16857"/>
-                                    </p:animMotion>
                                   </p:childTnLst>
                                 </p:cTn>
                               </p:par>
@@ -11499,13 +11391,13 @@
   <p:clrMapOvr>
     <a:masterClrMapping/>
   </p:clrMapOvr>
-  <mc:AlternateContent xmlns:mc="http://schemas.openxmlformats.org/markup-compatibility/2006" xmlns:p14="http://schemas.microsoft.com/office/powerpoint/2010/main">
-    <mc:Choice Requires="p14">
+  <mc:AlternateContent xmlns:mc="http://schemas.openxmlformats.org/markup-compatibility/2006">
+    <mc:Choice xmlns:p14="http://schemas.microsoft.com/office/powerpoint/2010/main" Requires="p14">
       <p:transition spd="slow" p14:dur="1200" advTm="0">
         <p14:prism/>
       </p:transition>
     </mc:Choice>
-    <mc:Fallback xmlns="">
+    <mc:Fallback>
       <p:transition spd="slow" advTm="0">
         <p:fade/>
       </p:transition>
@@ -11719,13 +11611,13 @@
   <p:clrMapOvr>
     <a:masterClrMapping/>
   </p:clrMapOvr>
-  <mc:AlternateContent xmlns:mc="http://schemas.openxmlformats.org/markup-compatibility/2006" xmlns:p14="http://schemas.microsoft.com/office/powerpoint/2010/main">
-    <mc:Choice Requires="p14">
+  <mc:AlternateContent xmlns:mc="http://schemas.openxmlformats.org/markup-compatibility/2006">
+    <mc:Choice xmlns:p14="http://schemas.microsoft.com/office/powerpoint/2010/main" Requires="p14">
       <p:transition spd="slow" p14:dur="1200" advTm="0">
         <p14:prism/>
       </p:transition>
     </mc:Choice>
-    <mc:Fallback xmlns="">
+    <mc:Fallback>
       <p:transition spd="slow" advTm="0">
         <p:fade/>
       </p:transition>
